--- a/figures/control/Figures.pptx
+++ b/figures/control/Figures.pptx
@@ -7,13 +7,14 @@
   <p:sldIdLst>
     <p:sldId id="261" r:id="rId2"/>
     <p:sldId id="264" r:id="rId3"/>
-    <p:sldId id="256" r:id="rId4"/>
-    <p:sldId id="260" r:id="rId5"/>
-    <p:sldId id="257" r:id="rId6"/>
-    <p:sldId id="258" r:id="rId7"/>
-    <p:sldId id="259" r:id="rId8"/>
-    <p:sldId id="262" r:id="rId9"/>
-    <p:sldId id="263" r:id="rId10"/>
+    <p:sldId id="265" r:id="rId4"/>
+    <p:sldId id="256" r:id="rId5"/>
+    <p:sldId id="260" r:id="rId6"/>
+    <p:sldId id="257" r:id="rId7"/>
+    <p:sldId id="258" r:id="rId8"/>
+    <p:sldId id="259" r:id="rId9"/>
+    <p:sldId id="262" r:id="rId10"/>
+    <p:sldId id="263" r:id="rId11"/>
   </p:sldIdLst>
   <p:sldSz cx="12192000" cy="6858000"/>
   <p:notesSz cx="6858000" cy="9144000"/>
@@ -251,7 +252,7 @@
           <a:p>
             <a:fld id="{DB5DE1E7-6C12-46B1-9C4E-D8031D2BF4AA}" type="datetimeFigureOut">
               <a:rPr lang="en-US" smtClean="0"/>
-              <a:t>8/22/2018</a:t>
+              <a:t>9/12/2018</a:t>
             </a:fld>
             <a:endParaRPr lang="en-US"/>
           </a:p>
@@ -421,7 +422,7 @@
           <a:p>
             <a:fld id="{DB5DE1E7-6C12-46B1-9C4E-D8031D2BF4AA}" type="datetimeFigureOut">
               <a:rPr lang="en-US" smtClean="0"/>
-              <a:t>8/22/2018</a:t>
+              <a:t>9/12/2018</a:t>
             </a:fld>
             <a:endParaRPr lang="en-US"/>
           </a:p>
@@ -601,7 +602,7 @@
           <a:p>
             <a:fld id="{DB5DE1E7-6C12-46B1-9C4E-D8031D2BF4AA}" type="datetimeFigureOut">
               <a:rPr lang="en-US" smtClean="0"/>
-              <a:t>8/22/2018</a:t>
+              <a:t>9/12/2018</a:t>
             </a:fld>
             <a:endParaRPr lang="en-US"/>
           </a:p>
@@ -771,7 +772,7 @@
           <a:p>
             <a:fld id="{DB5DE1E7-6C12-46B1-9C4E-D8031D2BF4AA}" type="datetimeFigureOut">
               <a:rPr lang="en-US" smtClean="0"/>
-              <a:t>8/22/2018</a:t>
+              <a:t>9/12/2018</a:t>
             </a:fld>
             <a:endParaRPr lang="en-US"/>
           </a:p>
@@ -1017,7 +1018,7 @@
           <a:p>
             <a:fld id="{DB5DE1E7-6C12-46B1-9C4E-D8031D2BF4AA}" type="datetimeFigureOut">
               <a:rPr lang="en-US" smtClean="0"/>
-              <a:t>8/22/2018</a:t>
+              <a:t>9/12/2018</a:t>
             </a:fld>
             <a:endParaRPr lang="en-US"/>
           </a:p>
@@ -1249,7 +1250,7 @@
           <a:p>
             <a:fld id="{DB5DE1E7-6C12-46B1-9C4E-D8031D2BF4AA}" type="datetimeFigureOut">
               <a:rPr lang="en-US" smtClean="0"/>
-              <a:t>8/22/2018</a:t>
+              <a:t>9/12/2018</a:t>
             </a:fld>
             <a:endParaRPr lang="en-US"/>
           </a:p>
@@ -1616,7 +1617,7 @@
           <a:p>
             <a:fld id="{DB5DE1E7-6C12-46B1-9C4E-D8031D2BF4AA}" type="datetimeFigureOut">
               <a:rPr lang="en-US" smtClean="0"/>
-              <a:t>8/22/2018</a:t>
+              <a:t>9/12/2018</a:t>
             </a:fld>
             <a:endParaRPr lang="en-US"/>
           </a:p>
@@ -1734,7 +1735,7 @@
           <a:p>
             <a:fld id="{DB5DE1E7-6C12-46B1-9C4E-D8031D2BF4AA}" type="datetimeFigureOut">
               <a:rPr lang="en-US" smtClean="0"/>
-              <a:t>8/22/2018</a:t>
+              <a:t>9/12/2018</a:t>
             </a:fld>
             <a:endParaRPr lang="en-US"/>
           </a:p>
@@ -1836,7 +1837,7 @@
           <a:p>
             <a:fld id="{DB5DE1E7-6C12-46B1-9C4E-D8031D2BF4AA}" type="datetimeFigureOut">
               <a:rPr lang="en-US" smtClean="0"/>
-              <a:t>8/22/2018</a:t>
+              <a:t>9/12/2018</a:t>
             </a:fld>
             <a:endParaRPr lang="en-US"/>
           </a:p>
@@ -2120,7 +2121,7 @@
           <a:p>
             <a:fld id="{DB5DE1E7-6C12-46B1-9C4E-D8031D2BF4AA}" type="datetimeFigureOut">
               <a:rPr lang="en-US" smtClean="0"/>
-              <a:t>8/22/2018</a:t>
+              <a:t>9/12/2018</a:t>
             </a:fld>
             <a:endParaRPr lang="en-US"/>
           </a:p>
@@ -2373,7 +2374,7 @@
           <a:p>
             <a:fld id="{DB5DE1E7-6C12-46B1-9C4E-D8031D2BF4AA}" type="datetimeFigureOut">
               <a:rPr lang="en-US" smtClean="0"/>
-              <a:t>8/22/2018</a:t>
+              <a:t>9/12/2018</a:t>
             </a:fld>
             <a:endParaRPr lang="en-US"/>
           </a:p>
@@ -2586,7 +2587,7 @@
           <a:p>
             <a:fld id="{DB5DE1E7-6C12-46B1-9C4E-D8031D2BF4AA}" type="datetimeFigureOut">
               <a:rPr lang="en-US" smtClean="0"/>
-              <a:t>8/22/2018</a:t>
+              <a:t>9/12/2018</a:t>
             </a:fld>
             <a:endParaRPr lang="en-US"/>
           </a:p>
@@ -4063,6 +4064,1213 @@
 </p:sld>
 </file>
 
+<file path=ppt/slides/slide10.xml><?xml version="1.0" encoding="utf-8"?>
+<p:sld xmlns:a="http://schemas.openxmlformats.org/drawingml/2006/main" xmlns:r="http://schemas.openxmlformats.org/officeDocument/2006/relationships" xmlns:p="http://schemas.openxmlformats.org/presentationml/2006/main">
+  <p:cSld>
+    <p:spTree>
+      <p:nvGrpSpPr>
+        <p:cNvPr id="1" name=""/>
+        <p:cNvGrpSpPr/>
+        <p:nvPr/>
+      </p:nvGrpSpPr>
+      <p:grpSpPr>
+        <a:xfrm>
+          <a:off x="0" y="0"/>
+          <a:ext cx="0" cy="0"/>
+          <a:chOff x="0" y="0"/>
+          <a:chExt cx="0" cy="0"/>
+        </a:xfrm>
+      </p:grpSpPr>
+      <p:sp>
+        <p:nvSpPr>
+          <p:cNvPr id="23" name="Right Arrow 22"/>
+          <p:cNvSpPr/>
+          <p:nvPr/>
+        </p:nvSpPr>
+        <p:spPr>
+          <a:xfrm rot="5400000">
+            <a:off x="2656794" y="1188316"/>
+            <a:ext cx="366757" cy="138548"/>
+          </a:xfrm>
+          <a:prstGeom prst="rightArrow">
+            <a:avLst>
+              <a:gd name="adj1" fmla="val 50000"/>
+              <a:gd name="adj2" fmla="val 110606"/>
+            </a:avLst>
+          </a:prstGeom>
+          <a:solidFill>
+            <a:srgbClr val="FFC000"/>
+          </a:solidFill>
+          <a:ln>
+            <a:solidFill>
+              <a:schemeClr val="tx1"/>
+            </a:solidFill>
+          </a:ln>
+        </p:spPr>
+        <p:style>
+          <a:lnRef idx="2">
+            <a:schemeClr val="accent1">
+              <a:shade val="50000"/>
+            </a:schemeClr>
+          </a:lnRef>
+          <a:fillRef idx="1">
+            <a:schemeClr val="accent1"/>
+          </a:fillRef>
+          <a:effectRef idx="0">
+            <a:schemeClr val="accent1"/>
+          </a:effectRef>
+          <a:fontRef idx="minor">
+            <a:schemeClr val="lt1"/>
+          </a:fontRef>
+        </p:style>
+        <p:txBody>
+          <a:bodyPr rtlCol="0" anchor="ctr"/>
+          <a:lstStyle/>
+          <a:p>
+            <a:pPr algn="ctr"/>
+            <a:endParaRPr lang="en-US"/>
+          </a:p>
+        </p:txBody>
+      </p:sp>
+      <p:sp>
+        <p:nvSpPr>
+          <p:cNvPr id="19" name="Rectangle 18"/>
+          <p:cNvSpPr/>
+          <p:nvPr/>
+        </p:nvSpPr>
+        <p:spPr>
+          <a:xfrm>
+            <a:off x="734291" y="2426389"/>
+            <a:ext cx="3320474" cy="464592"/>
+          </a:xfrm>
+          <a:prstGeom prst="rect">
+            <a:avLst/>
+          </a:prstGeom>
+          <a:solidFill>
+            <a:schemeClr val="accent2">
+              <a:lumMod val="60000"/>
+              <a:lumOff val="40000"/>
+            </a:schemeClr>
+          </a:solidFill>
+          <a:ln>
+            <a:noFill/>
+          </a:ln>
+        </p:spPr>
+        <p:style>
+          <a:lnRef idx="2">
+            <a:schemeClr val="accent1">
+              <a:shade val="50000"/>
+            </a:schemeClr>
+          </a:lnRef>
+          <a:fillRef idx="1">
+            <a:schemeClr val="accent1"/>
+          </a:fillRef>
+          <a:effectRef idx="0">
+            <a:schemeClr val="accent1"/>
+          </a:effectRef>
+          <a:fontRef idx="minor">
+            <a:schemeClr val="lt1"/>
+          </a:fontRef>
+        </p:style>
+        <p:txBody>
+          <a:bodyPr rtlCol="0" anchor="ctr"/>
+          <a:lstStyle/>
+          <a:p>
+            <a:pPr algn="ctr"/>
+            <a:endParaRPr lang="en-US"/>
+          </a:p>
+        </p:txBody>
+      </p:sp>
+      <p:cxnSp>
+        <p:nvCxnSpPr>
+          <p:cNvPr id="3" name="Straight Arrow Connector 2"/>
+          <p:cNvCxnSpPr/>
+          <p:nvPr/>
+        </p:nvCxnSpPr>
+        <p:spPr>
+          <a:xfrm>
+            <a:off x="831273" y="2096655"/>
+            <a:ext cx="3223492" cy="0"/>
+          </a:xfrm>
+          <a:prstGeom prst="straightConnector1">
+            <a:avLst/>
+          </a:prstGeom>
+          <a:ln>
+            <a:solidFill>
+              <a:schemeClr val="tx1"/>
+            </a:solidFill>
+            <a:headEnd type="triangle" w="med" len="med"/>
+            <a:tailEnd type="triangle" w="med" len="med"/>
+          </a:ln>
+        </p:spPr>
+        <p:style>
+          <a:lnRef idx="1">
+            <a:schemeClr val="accent1"/>
+          </a:lnRef>
+          <a:fillRef idx="0">
+            <a:schemeClr val="accent1"/>
+          </a:fillRef>
+          <a:effectRef idx="0">
+            <a:schemeClr val="accent1"/>
+          </a:effectRef>
+          <a:fontRef idx="minor">
+            <a:schemeClr val="tx1"/>
+          </a:fontRef>
+        </p:style>
+      </p:cxnSp>
+      <p:sp>
+        <p:nvSpPr>
+          <p:cNvPr id="6" name="Rectangle 5"/>
+          <p:cNvSpPr/>
+          <p:nvPr/>
+        </p:nvSpPr>
+        <p:spPr>
+          <a:xfrm>
+            <a:off x="1971963" y="1921164"/>
+            <a:ext cx="794327" cy="378691"/>
+          </a:xfrm>
+          <a:prstGeom prst="rect">
+            <a:avLst/>
+          </a:prstGeom>
+          <a:solidFill>
+            <a:schemeClr val="bg1">
+              <a:lumMod val="85000"/>
+            </a:schemeClr>
+          </a:solidFill>
+          <a:ln>
+            <a:solidFill>
+              <a:schemeClr val="tx1"/>
+            </a:solidFill>
+          </a:ln>
+        </p:spPr>
+        <p:style>
+          <a:lnRef idx="2">
+            <a:schemeClr val="accent1">
+              <a:shade val="50000"/>
+            </a:schemeClr>
+          </a:lnRef>
+          <a:fillRef idx="1">
+            <a:schemeClr val="accent1"/>
+          </a:fillRef>
+          <a:effectRef idx="0">
+            <a:schemeClr val="accent1"/>
+          </a:effectRef>
+          <a:fontRef idx="minor">
+            <a:schemeClr val="lt1"/>
+          </a:fontRef>
+        </p:style>
+        <p:txBody>
+          <a:bodyPr rtlCol="0" anchor="ctr"/>
+          <a:lstStyle/>
+          <a:p>
+            <a:pPr algn="ctr"/>
+            <a:endParaRPr lang="en-US"/>
+          </a:p>
+        </p:txBody>
+      </p:sp>
+      <p:sp>
+        <p:nvSpPr>
+          <p:cNvPr id="4" name="Oval 3"/>
+          <p:cNvSpPr/>
+          <p:nvPr/>
+        </p:nvSpPr>
+        <p:spPr>
+          <a:xfrm>
+            <a:off x="2036617" y="2235200"/>
+            <a:ext cx="175491" cy="175491"/>
+          </a:xfrm>
+          <a:prstGeom prst="ellipse">
+            <a:avLst/>
+          </a:prstGeom>
+          <a:solidFill>
+            <a:schemeClr val="tx1">
+              <a:lumMod val="75000"/>
+              <a:lumOff val="25000"/>
+            </a:schemeClr>
+          </a:solidFill>
+          <a:ln w="28575">
+            <a:solidFill>
+              <a:schemeClr val="tx1"/>
+            </a:solidFill>
+          </a:ln>
+        </p:spPr>
+        <p:style>
+          <a:lnRef idx="2">
+            <a:schemeClr val="accent1">
+              <a:shade val="50000"/>
+            </a:schemeClr>
+          </a:lnRef>
+          <a:fillRef idx="1">
+            <a:schemeClr val="accent1"/>
+          </a:fillRef>
+          <a:effectRef idx="0">
+            <a:schemeClr val="accent1"/>
+          </a:effectRef>
+          <a:fontRef idx="minor">
+            <a:schemeClr val="lt1"/>
+          </a:fontRef>
+        </p:style>
+        <p:txBody>
+          <a:bodyPr rtlCol="0" anchor="ctr"/>
+          <a:lstStyle/>
+          <a:p>
+            <a:pPr algn="ctr"/>
+            <a:endParaRPr lang="en-US"/>
+          </a:p>
+        </p:txBody>
+      </p:sp>
+      <p:sp>
+        <p:nvSpPr>
+          <p:cNvPr id="5" name="Oval 4"/>
+          <p:cNvSpPr/>
+          <p:nvPr/>
+        </p:nvSpPr>
+        <p:spPr>
+          <a:xfrm>
+            <a:off x="2498435" y="2235200"/>
+            <a:ext cx="175491" cy="175491"/>
+          </a:xfrm>
+          <a:prstGeom prst="ellipse">
+            <a:avLst/>
+          </a:prstGeom>
+          <a:solidFill>
+            <a:schemeClr val="tx1">
+              <a:lumMod val="75000"/>
+              <a:lumOff val="25000"/>
+            </a:schemeClr>
+          </a:solidFill>
+          <a:ln w="28575">
+            <a:solidFill>
+              <a:schemeClr val="tx1"/>
+            </a:solidFill>
+          </a:ln>
+        </p:spPr>
+        <p:style>
+          <a:lnRef idx="2">
+            <a:schemeClr val="accent1">
+              <a:shade val="50000"/>
+            </a:schemeClr>
+          </a:lnRef>
+          <a:fillRef idx="1">
+            <a:schemeClr val="accent1"/>
+          </a:fillRef>
+          <a:effectRef idx="0">
+            <a:schemeClr val="accent1"/>
+          </a:effectRef>
+          <a:fontRef idx="minor">
+            <a:schemeClr val="lt1"/>
+          </a:fontRef>
+        </p:style>
+        <p:txBody>
+          <a:bodyPr rtlCol="0" anchor="ctr"/>
+          <a:lstStyle/>
+          <a:p>
+            <a:pPr algn="ctr"/>
+            <a:endParaRPr lang="en-US"/>
+          </a:p>
+        </p:txBody>
+      </p:sp>
+      <p:sp>
+        <p:nvSpPr>
+          <p:cNvPr id="8" name="TextBox 7"/>
+          <p:cNvSpPr txBox="1"/>
+          <p:nvPr/>
+        </p:nvSpPr>
+        <p:spPr>
+          <a:xfrm>
+            <a:off x="2369125" y="1939775"/>
+            <a:ext cx="471054" cy="276999"/>
+          </a:xfrm>
+          <a:prstGeom prst="rect">
+            <a:avLst/>
+          </a:prstGeom>
+          <a:noFill/>
+        </p:spPr>
+        <p:txBody>
+          <a:bodyPr wrap="square" rtlCol="0">
+            <a:spAutoFit/>
+          </a:bodyPr>
+          <a:lstStyle/>
+          <a:p>
+            <a:r>
+              <a:rPr lang="en-US" sz="1200" i="1" dirty="0" smtClean="0"/>
+              <a:t>m</a:t>
+            </a:r>
+            <a:r>
+              <a:rPr lang="en-US" sz="1200" baseline="-25000" dirty="0" smtClean="0"/>
+              <a:t>1</a:t>
+            </a:r>
+            <a:endParaRPr lang="en-US" sz="1200" baseline="-25000" dirty="0"/>
+          </a:p>
+        </p:txBody>
+      </p:sp>
+      <mc:AlternateContent xmlns:mc="http://schemas.openxmlformats.org/markup-compatibility/2006" xmlns:a14="http://schemas.microsoft.com/office/drawing/2010/main">
+        <mc:Choice Requires="a14">
+          <p:sp>
+            <p:nvSpPr>
+              <p:cNvPr id="9" name="TextBox 8"/>
+              <p:cNvSpPr txBox="1"/>
+              <p:nvPr/>
+            </p:nvSpPr>
+            <p:spPr>
+              <a:xfrm>
+                <a:off x="1394690" y="1401471"/>
+                <a:ext cx="729672" cy="272767"/>
+              </a:xfrm>
+              <a:prstGeom prst="rect">
+                <a:avLst/>
+              </a:prstGeom>
+              <a:noFill/>
+            </p:spPr>
+            <p:txBody>
+              <a:bodyPr wrap="square" rtlCol="0">
+                <a:spAutoFit/>
+              </a:bodyPr>
+              <a:lstStyle/>
+              <a:p>
+                <a:pPr/>
+                <a14:m>
+                  <m:oMathPara xmlns:m="http://schemas.openxmlformats.org/officeDocument/2006/math">
+                    <m:oMathParaPr>
+                      <m:jc m:val="centerGroup"/>
+                    </m:oMathParaPr>
+                    <m:oMath xmlns:m="http://schemas.openxmlformats.org/officeDocument/2006/math">
+                      <m:r>
+                        <a:rPr lang="en-US" sz="1200" i="1" dirty="0" smtClean="0">
+                          <a:latin typeface="Cambria Math" panose="02040503050406030204" pitchFamily="18" charset="0"/>
+                        </a:rPr>
+                        <m:t>𝑥</m:t>
+                      </m:r>
+                      <m:r>
+                        <a:rPr lang="en-US" sz="1200" i="1" dirty="0" smtClean="0">
+                          <a:latin typeface="Cambria Math" panose="02040503050406030204" pitchFamily="18" charset="0"/>
+                        </a:rPr>
+                        <m:t>=</m:t>
+                      </m:r>
+                      <m:sSub>
+                        <m:sSubPr>
+                          <m:ctrlPr>
+                            <a:rPr lang="en-US" sz="1200" b="0" i="1" dirty="0" smtClean="0">
+                              <a:latin typeface="Cambria Math" panose="02040503050406030204" pitchFamily="18" charset="0"/>
+                            </a:rPr>
+                          </m:ctrlPr>
+                        </m:sSubPr>
+                        <m:e>
+                          <m:r>
+                            <a:rPr lang="en-US" sz="1200" i="1" dirty="0" smtClean="0">
+                              <a:latin typeface="Cambria Math" panose="02040503050406030204" pitchFamily="18" charset="0"/>
+                            </a:rPr>
+                            <m:t>𝑞</m:t>
+                          </m:r>
+                        </m:e>
+                        <m:sub>
+                          <m:r>
+                            <a:rPr lang="en-US" sz="1200" b="0" i="1" dirty="0" smtClean="0">
+                              <a:latin typeface="Cambria Math" panose="02040503050406030204" pitchFamily="18" charset="0"/>
+                            </a:rPr>
+                            <m:t>1</m:t>
+                          </m:r>
+                        </m:sub>
+                      </m:sSub>
+                    </m:oMath>
+                  </m:oMathPara>
+                </a14:m>
+                <a:endParaRPr lang="en-US" sz="1200" baseline="-25000" dirty="0"/>
+              </a:p>
+            </p:txBody>
+          </p:sp>
+        </mc:Choice>
+        <mc:Fallback xmlns="">
+          <p:sp>
+            <p:nvSpPr>
+              <p:cNvPr id="9" name="TextBox 8"/>
+              <p:cNvSpPr txBox="1">
+                <a:spLocks noRot="1" noChangeAspect="1" noMove="1" noResize="1" noEditPoints="1" noAdjustHandles="1" noChangeArrowheads="1" noChangeShapeType="1" noTextEdit="1"/>
+              </p:cNvSpPr>
+              <p:nvPr/>
+            </p:nvSpPr>
+            <p:spPr>
+              <a:xfrm>
+                <a:off x="1394690" y="1401471"/>
+                <a:ext cx="729672" cy="272767"/>
+              </a:xfrm>
+              <a:prstGeom prst="rect">
+                <a:avLst/>
+              </a:prstGeom>
+              <a:blipFill>
+                <a:blip r:embed="rId2"/>
+                <a:stretch>
+                  <a:fillRect/>
+                </a:stretch>
+              </a:blipFill>
+            </p:spPr>
+            <p:txBody>
+              <a:bodyPr/>
+              <a:lstStyle/>
+              <a:p>
+                <a:r>
+                  <a:rPr lang="en-US">
+                    <a:noFill/>
+                  </a:rPr>
+                  <a:t> </a:t>
+                </a:r>
+              </a:p>
+            </p:txBody>
+          </p:sp>
+        </mc:Fallback>
+      </mc:AlternateContent>
+      <mc:AlternateContent xmlns:mc="http://schemas.openxmlformats.org/markup-compatibility/2006" xmlns:a14="http://schemas.microsoft.com/office/drawing/2010/main">
+        <mc:Choice Requires="a14">
+          <p:sp>
+            <p:nvSpPr>
+              <p:cNvPr id="10" name="TextBox 9"/>
+              <p:cNvSpPr txBox="1"/>
+              <p:nvPr/>
+            </p:nvSpPr>
+            <p:spPr>
+              <a:xfrm>
+                <a:off x="2812471" y="886889"/>
+                <a:ext cx="471054" cy="276999"/>
+              </a:xfrm>
+              <a:prstGeom prst="rect">
+                <a:avLst/>
+              </a:prstGeom>
+              <a:noFill/>
+            </p:spPr>
+            <p:txBody>
+              <a:bodyPr wrap="square" rtlCol="0">
+                <a:spAutoFit/>
+              </a:bodyPr>
+              <a:lstStyle/>
+              <a:p>
+                <a:pPr/>
+                <a14:m>
+                  <m:oMathPara xmlns:m="http://schemas.openxmlformats.org/officeDocument/2006/math">
+                    <m:oMathParaPr>
+                      <m:jc m:val="centerGroup"/>
+                    </m:oMathParaPr>
+                    <m:oMath xmlns:m="http://schemas.openxmlformats.org/officeDocument/2006/math">
+                      <m:sSub>
+                        <m:sSubPr>
+                          <m:ctrlPr>
+                            <a:rPr lang="en-US" sz="1200" b="0" i="1" dirty="0" smtClean="0">
+                              <a:latin typeface="Cambria Math" panose="02040503050406030204" pitchFamily="18" charset="0"/>
+                            </a:rPr>
+                          </m:ctrlPr>
+                        </m:sSubPr>
+                        <m:e>
+                          <m:r>
+                            <a:rPr lang="en-US" sz="1200" i="1" dirty="0" smtClean="0">
+                              <a:latin typeface="Cambria Math" panose="02040503050406030204" pitchFamily="18" charset="0"/>
+                            </a:rPr>
+                            <m:t>𝑚</m:t>
+                          </m:r>
+                        </m:e>
+                        <m:sub>
+                          <m:r>
+                            <a:rPr lang="en-US" sz="1200" b="0" i="1" dirty="0" smtClean="0">
+                              <a:latin typeface="Cambria Math" panose="02040503050406030204" pitchFamily="18" charset="0"/>
+                            </a:rPr>
+                            <m:t>2</m:t>
+                          </m:r>
+                        </m:sub>
+                      </m:sSub>
+                    </m:oMath>
+                  </m:oMathPara>
+                </a14:m>
+                <a:endParaRPr lang="en-US" sz="1200" baseline="-25000" dirty="0"/>
+              </a:p>
+            </p:txBody>
+          </p:sp>
+        </mc:Choice>
+        <mc:Fallback xmlns="">
+          <p:sp>
+            <p:nvSpPr>
+              <p:cNvPr id="10" name="TextBox 9"/>
+              <p:cNvSpPr txBox="1">
+                <a:spLocks noRot="1" noChangeAspect="1" noMove="1" noResize="1" noEditPoints="1" noAdjustHandles="1" noChangeArrowheads="1" noChangeShapeType="1" noTextEdit="1"/>
+              </p:cNvSpPr>
+              <p:nvPr/>
+            </p:nvSpPr>
+            <p:spPr>
+              <a:xfrm>
+                <a:off x="2812471" y="886889"/>
+                <a:ext cx="471054" cy="276999"/>
+              </a:xfrm>
+              <a:prstGeom prst="rect">
+                <a:avLst/>
+              </a:prstGeom>
+              <a:blipFill>
+                <a:blip r:embed="rId3"/>
+                <a:stretch>
+                  <a:fillRect/>
+                </a:stretch>
+              </a:blipFill>
+            </p:spPr>
+            <p:txBody>
+              <a:bodyPr/>
+              <a:lstStyle/>
+              <a:p>
+                <a:r>
+                  <a:rPr lang="en-US">
+                    <a:noFill/>
+                  </a:rPr>
+                  <a:t> </a:t>
+                </a:r>
+              </a:p>
+            </p:txBody>
+          </p:sp>
+        </mc:Fallback>
+      </mc:AlternateContent>
+      <p:cxnSp>
+        <p:nvCxnSpPr>
+          <p:cNvPr id="12" name="Straight Connector 11"/>
+          <p:cNvCxnSpPr>
+            <a:stCxn id="8" idx="1"/>
+          </p:cNvCxnSpPr>
+          <p:nvPr/>
+        </p:nvCxnSpPr>
+        <p:spPr>
+          <a:xfrm flipV="1">
+            <a:off x="2369125" y="1062274"/>
+            <a:ext cx="471054" cy="1016001"/>
+          </a:xfrm>
+          <a:prstGeom prst="line">
+            <a:avLst/>
+          </a:prstGeom>
+          <a:ln w="38100">
+            <a:solidFill>
+              <a:schemeClr val="tx1"/>
+            </a:solidFill>
+          </a:ln>
+        </p:spPr>
+        <p:style>
+          <a:lnRef idx="1">
+            <a:schemeClr val="accent1"/>
+          </a:lnRef>
+          <a:fillRef idx="0">
+            <a:schemeClr val="accent1"/>
+          </a:fillRef>
+          <a:effectRef idx="0">
+            <a:schemeClr val="accent1"/>
+          </a:effectRef>
+          <a:fontRef idx="minor">
+            <a:schemeClr val="tx1"/>
+          </a:fontRef>
+        </p:style>
+      </p:cxnSp>
+      <p:sp>
+        <p:nvSpPr>
+          <p:cNvPr id="7" name="Oval 6"/>
+          <p:cNvSpPr/>
+          <p:nvPr/>
+        </p:nvSpPr>
+        <p:spPr>
+          <a:xfrm>
+            <a:off x="2313707" y="2041236"/>
+            <a:ext cx="110837" cy="110837"/>
+          </a:xfrm>
+          <a:prstGeom prst="ellipse">
+            <a:avLst/>
+          </a:prstGeom>
+          <a:solidFill>
+            <a:srgbClr val="FF0000"/>
+          </a:solidFill>
+          <a:ln>
+            <a:solidFill>
+              <a:schemeClr val="tx1"/>
+            </a:solidFill>
+          </a:ln>
+        </p:spPr>
+        <p:style>
+          <a:lnRef idx="2">
+            <a:schemeClr val="accent1">
+              <a:shade val="50000"/>
+            </a:schemeClr>
+          </a:lnRef>
+          <a:fillRef idx="1">
+            <a:schemeClr val="accent1"/>
+          </a:fillRef>
+          <a:effectRef idx="0">
+            <a:schemeClr val="accent1"/>
+          </a:effectRef>
+          <a:fontRef idx="minor">
+            <a:schemeClr val="lt1"/>
+          </a:fontRef>
+        </p:style>
+        <p:txBody>
+          <a:bodyPr rtlCol="0" anchor="ctr"/>
+          <a:lstStyle/>
+          <a:p>
+            <a:pPr algn="ctr"/>
+            <a:endParaRPr lang="en-US"/>
+          </a:p>
+        </p:txBody>
+      </p:sp>
+      <p:sp>
+        <p:nvSpPr>
+          <p:cNvPr id="13" name="Oval 12"/>
+          <p:cNvSpPr/>
+          <p:nvPr/>
+        </p:nvSpPr>
+        <p:spPr>
+          <a:xfrm>
+            <a:off x="2780141" y="1006857"/>
+            <a:ext cx="110837" cy="110837"/>
+          </a:xfrm>
+          <a:prstGeom prst="ellipse">
+            <a:avLst/>
+          </a:prstGeom>
+          <a:solidFill>
+            <a:srgbClr val="FF0000"/>
+          </a:solidFill>
+          <a:ln>
+            <a:solidFill>
+              <a:schemeClr val="tx1"/>
+            </a:solidFill>
+          </a:ln>
+        </p:spPr>
+        <p:style>
+          <a:lnRef idx="2">
+            <a:schemeClr val="accent1">
+              <a:shade val="50000"/>
+            </a:schemeClr>
+          </a:lnRef>
+          <a:fillRef idx="1">
+            <a:schemeClr val="accent1"/>
+          </a:fillRef>
+          <a:effectRef idx="0">
+            <a:schemeClr val="accent1"/>
+          </a:effectRef>
+          <a:fontRef idx="minor">
+            <a:schemeClr val="lt1"/>
+          </a:fontRef>
+        </p:style>
+        <p:txBody>
+          <a:bodyPr rtlCol="0" anchor="ctr"/>
+          <a:lstStyle/>
+          <a:p>
+            <a:pPr algn="ctr"/>
+            <a:endParaRPr lang="en-US"/>
+          </a:p>
+        </p:txBody>
+      </p:sp>
+      <p:sp>
+        <p:nvSpPr>
+          <p:cNvPr id="14" name="Arc 13"/>
+          <p:cNvSpPr/>
+          <p:nvPr/>
+        </p:nvSpPr>
+        <p:spPr>
+          <a:xfrm>
+            <a:off x="1602507" y="1330036"/>
+            <a:ext cx="1533236" cy="1533236"/>
+          </a:xfrm>
+          <a:prstGeom prst="arc">
+            <a:avLst>
+              <a:gd name="adj1" fmla="val 17620233"/>
+              <a:gd name="adj2" fmla="val 0"/>
+            </a:avLst>
+          </a:prstGeom>
+          <a:ln>
+            <a:solidFill>
+              <a:schemeClr val="tx1"/>
+            </a:solidFill>
+            <a:prstDash val="dash"/>
+          </a:ln>
+        </p:spPr>
+        <p:style>
+          <a:lnRef idx="1">
+            <a:schemeClr val="accent1"/>
+          </a:lnRef>
+          <a:fillRef idx="0">
+            <a:schemeClr val="accent1"/>
+          </a:fillRef>
+          <a:effectRef idx="0">
+            <a:schemeClr val="accent1"/>
+          </a:effectRef>
+          <a:fontRef idx="minor">
+            <a:schemeClr val="tx1"/>
+          </a:fontRef>
+        </p:style>
+        <p:txBody>
+          <a:bodyPr rtlCol="0" anchor="ctr"/>
+          <a:lstStyle/>
+          <a:p>
+            <a:pPr algn="ctr"/>
+            <a:endParaRPr lang="en-US"/>
+          </a:p>
+        </p:txBody>
+      </p:sp>
+      <mc:AlternateContent xmlns:mc="http://schemas.openxmlformats.org/markup-compatibility/2006" xmlns:a14="http://schemas.microsoft.com/office/drawing/2010/main">
+        <mc:Choice Requires="a14">
+          <p:sp>
+            <p:nvSpPr>
+              <p:cNvPr id="15" name="TextBox 14"/>
+              <p:cNvSpPr txBox="1"/>
+              <p:nvPr/>
+            </p:nvSpPr>
+            <p:spPr>
+              <a:xfrm>
+                <a:off x="3047998" y="1692666"/>
+                <a:ext cx="729672" cy="272767"/>
+              </a:xfrm>
+              <a:prstGeom prst="rect">
+                <a:avLst/>
+              </a:prstGeom>
+              <a:noFill/>
+            </p:spPr>
+            <p:txBody>
+              <a:bodyPr wrap="square" rtlCol="0">
+                <a:spAutoFit/>
+              </a:bodyPr>
+              <a:lstStyle/>
+              <a:p>
+                <a:pPr/>
+                <a14:m>
+                  <m:oMathPara xmlns:m="http://schemas.openxmlformats.org/officeDocument/2006/math">
+                    <m:oMathParaPr>
+                      <m:jc m:val="centerGroup"/>
+                    </m:oMathParaPr>
+                    <m:oMath xmlns:m="http://schemas.openxmlformats.org/officeDocument/2006/math">
+                      <m:r>
+                        <a:rPr lang="en-US" sz="1200" b="0" i="1" dirty="0" smtClean="0">
+                          <a:latin typeface="Cambria Math" panose="02040503050406030204" pitchFamily="18" charset="0"/>
+                        </a:rPr>
+                        <m:t>𝜃</m:t>
+                      </m:r>
+                      <m:r>
+                        <a:rPr lang="en-US" sz="1200" i="1" dirty="0" smtClean="0">
+                          <a:latin typeface="Cambria Math" panose="02040503050406030204" pitchFamily="18" charset="0"/>
+                        </a:rPr>
+                        <m:t>=</m:t>
+                      </m:r>
+                      <m:sSub>
+                        <m:sSubPr>
+                          <m:ctrlPr>
+                            <a:rPr lang="en-US" sz="1200" b="0" i="1" dirty="0" smtClean="0">
+                              <a:latin typeface="Cambria Math" panose="02040503050406030204" pitchFamily="18" charset="0"/>
+                            </a:rPr>
+                          </m:ctrlPr>
+                        </m:sSubPr>
+                        <m:e>
+                          <m:r>
+                            <a:rPr lang="en-US" sz="1200" b="0" i="1" dirty="0" smtClean="0">
+                              <a:latin typeface="Cambria Math" panose="02040503050406030204" pitchFamily="18" charset="0"/>
+                            </a:rPr>
+                            <m:t>𝑞</m:t>
+                          </m:r>
+                        </m:e>
+                        <m:sub>
+                          <m:r>
+                            <a:rPr lang="en-US" sz="1200" b="0" i="1" dirty="0" smtClean="0">
+                              <a:latin typeface="Cambria Math" panose="02040503050406030204" pitchFamily="18" charset="0"/>
+                            </a:rPr>
+                            <m:t>1</m:t>
+                          </m:r>
+                        </m:sub>
+                      </m:sSub>
+                    </m:oMath>
+                  </m:oMathPara>
+                </a14:m>
+                <a:endParaRPr lang="en-US" sz="1200" baseline="-25000" dirty="0"/>
+              </a:p>
+            </p:txBody>
+          </p:sp>
+        </mc:Choice>
+        <mc:Fallback xmlns="">
+          <p:sp>
+            <p:nvSpPr>
+              <p:cNvPr id="15" name="TextBox 14"/>
+              <p:cNvSpPr txBox="1">
+                <a:spLocks noRot="1" noChangeAspect="1" noMove="1" noResize="1" noEditPoints="1" noAdjustHandles="1" noChangeArrowheads="1" noChangeShapeType="1" noTextEdit="1"/>
+              </p:cNvSpPr>
+              <p:nvPr/>
+            </p:nvSpPr>
+            <p:spPr>
+              <a:xfrm>
+                <a:off x="3047998" y="1692666"/>
+                <a:ext cx="729672" cy="272767"/>
+              </a:xfrm>
+              <a:prstGeom prst="rect">
+                <a:avLst/>
+              </a:prstGeom>
+              <a:blipFill>
+                <a:blip r:embed="rId4"/>
+                <a:stretch>
+                  <a:fillRect b="-2273"/>
+                </a:stretch>
+              </a:blipFill>
+            </p:spPr>
+            <p:txBody>
+              <a:bodyPr/>
+              <a:lstStyle/>
+              <a:p>
+                <a:r>
+                  <a:rPr lang="en-US">
+                    <a:noFill/>
+                  </a:rPr>
+                  <a:t> </a:t>
+                </a:r>
+              </a:p>
+            </p:txBody>
+          </p:sp>
+        </mc:Fallback>
+      </mc:AlternateContent>
+      <p:cxnSp>
+        <p:nvCxnSpPr>
+          <p:cNvPr id="17" name="Straight Connector 16"/>
+          <p:cNvCxnSpPr/>
+          <p:nvPr/>
+        </p:nvCxnSpPr>
+        <p:spPr>
+          <a:xfrm>
+            <a:off x="1089892" y="2008885"/>
+            <a:ext cx="0" cy="175538"/>
+          </a:xfrm>
+          <a:prstGeom prst="line">
+            <a:avLst/>
+          </a:prstGeom>
+          <a:ln>
+            <a:solidFill>
+              <a:schemeClr val="tx1"/>
+            </a:solidFill>
+          </a:ln>
+        </p:spPr>
+        <p:style>
+          <a:lnRef idx="1">
+            <a:schemeClr val="accent1"/>
+          </a:lnRef>
+          <a:fillRef idx="0">
+            <a:schemeClr val="accent1"/>
+          </a:fillRef>
+          <a:effectRef idx="0">
+            <a:schemeClr val="accent1"/>
+          </a:effectRef>
+          <a:fontRef idx="minor">
+            <a:schemeClr val="tx1"/>
+          </a:fontRef>
+        </p:style>
+      </p:cxnSp>
+      <p:sp>
+        <p:nvSpPr>
+          <p:cNvPr id="18" name="Left Brace 17"/>
+          <p:cNvSpPr/>
+          <p:nvPr/>
+        </p:nvSpPr>
+        <p:spPr>
+          <a:xfrm rot="16200000" flipH="1" flipV="1">
+            <a:off x="1620992" y="1161567"/>
+            <a:ext cx="217033" cy="1279232"/>
+          </a:xfrm>
+          <a:prstGeom prst="leftBrace">
+            <a:avLst>
+              <a:gd name="adj1" fmla="val 42708"/>
+              <a:gd name="adj2" fmla="val 50000"/>
+            </a:avLst>
+          </a:prstGeom>
+          <a:ln>
+            <a:solidFill>
+              <a:schemeClr val="tx1"/>
+            </a:solidFill>
+          </a:ln>
+        </p:spPr>
+        <p:style>
+          <a:lnRef idx="1">
+            <a:schemeClr val="accent1"/>
+          </a:lnRef>
+          <a:fillRef idx="0">
+            <a:schemeClr val="accent1"/>
+          </a:fillRef>
+          <a:effectRef idx="0">
+            <a:schemeClr val="accent1"/>
+          </a:effectRef>
+          <a:fontRef idx="minor">
+            <a:schemeClr val="tx1"/>
+          </a:fontRef>
+        </p:style>
+        <p:txBody>
+          <a:bodyPr rtlCol="0" anchor="ctr"/>
+          <a:lstStyle/>
+          <a:p>
+            <a:pPr algn="ctr"/>
+            <a:endParaRPr lang="en-US"/>
+          </a:p>
+        </p:txBody>
+      </p:sp>
+      <p:sp>
+        <p:nvSpPr>
+          <p:cNvPr id="20" name="Right Arrow 19"/>
+          <p:cNvSpPr/>
+          <p:nvPr/>
+        </p:nvSpPr>
+        <p:spPr>
+          <a:xfrm>
+            <a:off x="2844794" y="2163131"/>
+            <a:ext cx="563423" cy="175491"/>
+          </a:xfrm>
+          <a:prstGeom prst="rightArrow">
+            <a:avLst/>
+          </a:prstGeom>
+          <a:solidFill>
+            <a:srgbClr val="FFFF00"/>
+          </a:solidFill>
+          <a:ln>
+            <a:solidFill>
+              <a:schemeClr val="tx1"/>
+            </a:solidFill>
+          </a:ln>
+        </p:spPr>
+        <p:style>
+          <a:lnRef idx="2">
+            <a:schemeClr val="accent1">
+              <a:shade val="50000"/>
+            </a:schemeClr>
+          </a:lnRef>
+          <a:fillRef idx="1">
+            <a:schemeClr val="accent1"/>
+          </a:fillRef>
+          <a:effectRef idx="0">
+            <a:schemeClr val="accent1"/>
+          </a:effectRef>
+          <a:fontRef idx="minor">
+            <a:schemeClr val="lt1"/>
+          </a:fontRef>
+        </p:style>
+        <p:txBody>
+          <a:bodyPr rtlCol="0" anchor="ctr"/>
+          <a:lstStyle/>
+          <a:p>
+            <a:pPr algn="ctr"/>
+            <a:endParaRPr lang="en-US"/>
+          </a:p>
+        </p:txBody>
+      </p:sp>
+      <mc:AlternateContent xmlns:mc="http://schemas.openxmlformats.org/markup-compatibility/2006" xmlns:a14="http://schemas.microsoft.com/office/drawing/2010/main">
+        <mc:Choice Requires="a14">
+          <p:sp>
+            <p:nvSpPr>
+              <p:cNvPr id="21" name="TextBox 20"/>
+              <p:cNvSpPr txBox="1"/>
+              <p:nvPr/>
+            </p:nvSpPr>
+            <p:spPr>
+              <a:xfrm>
+                <a:off x="3214249" y="2069838"/>
+                <a:ext cx="729672" cy="272767"/>
+              </a:xfrm>
+              <a:prstGeom prst="rect">
+                <a:avLst/>
+              </a:prstGeom>
+              <a:noFill/>
+            </p:spPr>
+            <p:txBody>
+              <a:bodyPr wrap="square" rtlCol="0">
+                <a:spAutoFit/>
+              </a:bodyPr>
+              <a:lstStyle/>
+              <a:p>
+                <a:pPr/>
+                <a14:m>
+                  <m:oMathPara xmlns:m="http://schemas.openxmlformats.org/officeDocument/2006/math">
+                    <m:oMathParaPr>
+                      <m:jc m:val="centerGroup"/>
+                    </m:oMathParaPr>
+                    <m:oMath xmlns:m="http://schemas.openxmlformats.org/officeDocument/2006/math">
+                      <m:sSub>
+                        <m:sSubPr>
+                          <m:ctrlPr>
+                            <a:rPr lang="en-US" sz="1200" b="0" i="1" dirty="0" smtClean="0">
+                              <a:latin typeface="Cambria Math" panose="02040503050406030204" pitchFamily="18" charset="0"/>
+                            </a:rPr>
+                          </m:ctrlPr>
+                        </m:sSubPr>
+                        <m:e>
+                          <m:r>
+                            <a:rPr lang="en-US" sz="1200" b="0" i="1" dirty="0" smtClean="0">
+                              <a:latin typeface="Cambria Math" panose="02040503050406030204" pitchFamily="18" charset="0"/>
+                            </a:rPr>
+                            <m:t>𝑢</m:t>
+                          </m:r>
+                        </m:e>
+                        <m:sub>
+                          <m:r>
+                            <a:rPr lang="en-US" sz="1200" b="0" i="1" dirty="0" smtClean="0">
+                              <a:latin typeface="Cambria Math" panose="02040503050406030204" pitchFamily="18" charset="0"/>
+                            </a:rPr>
+                            <m:t>1</m:t>
+                          </m:r>
+                        </m:sub>
+                      </m:sSub>
+                    </m:oMath>
+                  </m:oMathPara>
+                </a14:m>
+                <a:endParaRPr lang="en-US" sz="1200" baseline="-25000" dirty="0"/>
+              </a:p>
+            </p:txBody>
+          </p:sp>
+        </mc:Choice>
+        <mc:Fallback xmlns="">
+          <p:sp>
+            <p:nvSpPr>
+              <p:cNvPr id="21" name="TextBox 20"/>
+              <p:cNvSpPr txBox="1">
+                <a:spLocks noRot="1" noChangeAspect="1" noMove="1" noResize="1" noEditPoints="1" noAdjustHandles="1" noChangeArrowheads="1" noChangeShapeType="1" noTextEdit="1"/>
+              </p:cNvSpPr>
+              <p:nvPr/>
+            </p:nvSpPr>
+            <p:spPr>
+              <a:xfrm>
+                <a:off x="3214249" y="2069838"/>
+                <a:ext cx="729672" cy="272767"/>
+              </a:xfrm>
+              <a:prstGeom prst="rect">
+                <a:avLst/>
+              </a:prstGeom>
+              <a:blipFill>
+                <a:blip r:embed="rId5"/>
+                <a:stretch>
+                  <a:fillRect/>
+                </a:stretch>
+              </a:blipFill>
+            </p:spPr>
+            <p:txBody>
+              <a:bodyPr/>
+              <a:lstStyle/>
+              <a:p>
+                <a:r>
+                  <a:rPr lang="en-US">
+                    <a:noFill/>
+                  </a:rPr>
+                  <a:t> </a:t>
+                </a:r>
+              </a:p>
+            </p:txBody>
+          </p:sp>
+        </mc:Fallback>
+      </mc:AlternateContent>
+      <mc:AlternateContent xmlns:mc="http://schemas.openxmlformats.org/markup-compatibility/2006" xmlns:a14="http://schemas.microsoft.com/office/drawing/2010/main">
+        <mc:Choice Requires="a14">
+          <p:sp>
+            <p:nvSpPr>
+              <p:cNvPr id="24" name="TextBox 23"/>
+              <p:cNvSpPr txBox="1"/>
+              <p:nvPr/>
+            </p:nvSpPr>
+            <p:spPr>
+              <a:xfrm>
+                <a:off x="2860959" y="1212343"/>
+                <a:ext cx="471054" cy="276999"/>
+              </a:xfrm>
+              <a:prstGeom prst="rect">
+                <a:avLst/>
+              </a:prstGeom>
+              <a:noFill/>
+            </p:spPr>
+            <p:txBody>
+              <a:bodyPr wrap="square" rtlCol="0">
+                <a:spAutoFit/>
+              </a:bodyPr>
+              <a:lstStyle/>
+              <a:p>
+                <a:pPr/>
+                <a14:m>
+                  <m:oMathPara xmlns:m="http://schemas.openxmlformats.org/officeDocument/2006/math">
+                    <m:oMathParaPr>
+                      <m:jc m:val="centerGroup"/>
+                    </m:oMathParaPr>
+                    <m:oMath xmlns:m="http://schemas.openxmlformats.org/officeDocument/2006/math">
+                      <m:sSub>
+                        <m:sSubPr>
+                          <m:ctrlPr>
+                            <a:rPr lang="en-US" sz="1200" b="0" i="1" dirty="0" smtClean="0">
+                              <a:latin typeface="Cambria Math" panose="02040503050406030204" pitchFamily="18" charset="0"/>
+                            </a:rPr>
+                          </m:ctrlPr>
+                        </m:sSubPr>
+                        <m:e>
+                          <m:r>
+                            <a:rPr lang="en-US" sz="1200" i="1" dirty="0" smtClean="0">
+                              <a:latin typeface="Cambria Math" panose="02040503050406030204" pitchFamily="18" charset="0"/>
+                            </a:rPr>
+                            <m:t>𝑚</m:t>
+                          </m:r>
+                        </m:e>
+                        <m:sub>
+                          <m:r>
+                            <a:rPr lang="en-US" sz="1200" b="0" i="1" dirty="0" smtClean="0">
+                              <a:latin typeface="Cambria Math" panose="02040503050406030204" pitchFamily="18" charset="0"/>
+                            </a:rPr>
+                            <m:t>2</m:t>
+                          </m:r>
+                        </m:sub>
+                      </m:sSub>
+                      <m:r>
+                        <a:rPr lang="en-US" sz="1200" i="1" dirty="0" smtClean="0">
+                          <a:latin typeface="Cambria Math" panose="02040503050406030204" pitchFamily="18" charset="0"/>
+                        </a:rPr>
+                        <m:t>𝑔</m:t>
+                      </m:r>
+                    </m:oMath>
+                  </m:oMathPara>
+                </a14:m>
+                <a:endParaRPr lang="en-US" sz="1200" i="1" dirty="0"/>
+              </a:p>
+            </p:txBody>
+          </p:sp>
+        </mc:Choice>
+        <mc:Fallback xmlns="">
+          <p:sp>
+            <p:nvSpPr>
+              <p:cNvPr id="24" name="TextBox 23"/>
+              <p:cNvSpPr txBox="1">
+                <a:spLocks noRot="1" noChangeAspect="1" noMove="1" noResize="1" noEditPoints="1" noAdjustHandles="1" noChangeArrowheads="1" noChangeShapeType="1" noTextEdit="1"/>
+              </p:cNvSpPr>
+              <p:nvPr/>
+            </p:nvSpPr>
+            <p:spPr>
+              <a:xfrm>
+                <a:off x="2860959" y="1212343"/>
+                <a:ext cx="471054" cy="276999"/>
+              </a:xfrm>
+              <a:prstGeom prst="rect">
+                <a:avLst/>
+              </a:prstGeom>
+              <a:blipFill>
+                <a:blip r:embed="rId6"/>
+                <a:stretch>
+                  <a:fillRect/>
+                </a:stretch>
+              </a:blipFill>
+            </p:spPr>
+            <p:txBody>
+              <a:bodyPr/>
+              <a:lstStyle/>
+              <a:p>
+                <a:r>
+                  <a:rPr lang="en-US">
+                    <a:noFill/>
+                  </a:rPr>
+                  <a:t> </a:t>
+                </a:r>
+              </a:p>
+            </p:txBody>
+          </p:sp>
+        </mc:Fallback>
+      </mc:AlternateContent>
+    </p:spTree>
+    <p:extLst>
+      <p:ext uri="{BB962C8B-B14F-4D97-AF65-F5344CB8AC3E}">
+        <p14:creationId xmlns:p14="http://schemas.microsoft.com/office/powerpoint/2010/main" val="130750931"/>
+      </p:ext>
+    </p:extLst>
+  </p:cSld>
+  <p:clrMapOvr>
+    <a:masterClrMapping/>
+  </p:clrMapOvr>
+</p:sld>
+</file>
+
 <file path=ppt/slides/slide2.xml><?xml version="1.0" encoding="utf-8"?>
 <p:sld xmlns:a="http://schemas.openxmlformats.org/drawingml/2006/main" xmlns:r="http://schemas.openxmlformats.org/officeDocument/2006/relationships" xmlns:p="http://schemas.openxmlformats.org/presentationml/2006/main">
   <p:cSld>
@@ -5157,6 +6365,1452 @@
           <a:chExt cx="0" cy="0"/>
         </a:xfrm>
       </p:grpSpPr>
+      <p:cxnSp>
+        <p:nvCxnSpPr>
+          <p:cNvPr id="2" name="Straight Connector 1"/>
+          <p:cNvCxnSpPr/>
+          <p:nvPr/>
+        </p:nvCxnSpPr>
+        <p:spPr>
+          <a:xfrm>
+            <a:off x="4314825" y="4027328"/>
+            <a:ext cx="1037590" cy="0"/>
+          </a:xfrm>
+          <a:prstGeom prst="line">
+            <a:avLst/>
+          </a:prstGeom>
+          <a:ln w="28575">
+            <a:solidFill>
+              <a:schemeClr val="tx1"/>
+            </a:solidFill>
+          </a:ln>
+        </p:spPr>
+        <p:style>
+          <a:lnRef idx="1">
+            <a:schemeClr val="accent1"/>
+          </a:lnRef>
+          <a:fillRef idx="0">
+            <a:schemeClr val="accent1"/>
+          </a:fillRef>
+          <a:effectRef idx="0">
+            <a:schemeClr val="accent1"/>
+          </a:effectRef>
+          <a:fontRef idx="minor">
+            <a:schemeClr val="tx1"/>
+          </a:fontRef>
+        </p:style>
+      </p:cxnSp>
+      <p:cxnSp>
+        <p:nvCxnSpPr>
+          <p:cNvPr id="3" name="Straight Connector 2"/>
+          <p:cNvCxnSpPr/>
+          <p:nvPr/>
+        </p:nvCxnSpPr>
+        <p:spPr>
+          <a:xfrm flipH="1">
+            <a:off x="4314825" y="4027328"/>
+            <a:ext cx="208915" cy="180340"/>
+          </a:xfrm>
+          <a:prstGeom prst="line">
+            <a:avLst/>
+          </a:prstGeom>
+          <a:ln w="28575">
+            <a:solidFill>
+              <a:schemeClr val="tx1"/>
+            </a:solidFill>
+          </a:ln>
+        </p:spPr>
+        <p:style>
+          <a:lnRef idx="1">
+            <a:schemeClr val="accent1"/>
+          </a:lnRef>
+          <a:fillRef idx="0">
+            <a:schemeClr val="accent1"/>
+          </a:fillRef>
+          <a:effectRef idx="0">
+            <a:schemeClr val="accent1"/>
+          </a:effectRef>
+          <a:fontRef idx="minor">
+            <a:schemeClr val="tx1"/>
+          </a:fontRef>
+        </p:style>
+      </p:cxnSp>
+      <p:cxnSp>
+        <p:nvCxnSpPr>
+          <p:cNvPr id="4" name="Straight Connector 3"/>
+          <p:cNvCxnSpPr/>
+          <p:nvPr/>
+        </p:nvCxnSpPr>
+        <p:spPr>
+          <a:xfrm flipH="1">
+            <a:off x="4438650" y="4027328"/>
+            <a:ext cx="208915" cy="180340"/>
+          </a:xfrm>
+          <a:prstGeom prst="line">
+            <a:avLst/>
+          </a:prstGeom>
+          <a:ln w="28575">
+            <a:solidFill>
+              <a:schemeClr val="tx1"/>
+            </a:solidFill>
+          </a:ln>
+        </p:spPr>
+        <p:style>
+          <a:lnRef idx="1">
+            <a:schemeClr val="accent1"/>
+          </a:lnRef>
+          <a:fillRef idx="0">
+            <a:schemeClr val="accent1"/>
+          </a:fillRef>
+          <a:effectRef idx="0">
+            <a:schemeClr val="accent1"/>
+          </a:effectRef>
+          <a:fontRef idx="minor">
+            <a:schemeClr val="tx1"/>
+          </a:fontRef>
+        </p:style>
+      </p:cxnSp>
+      <p:cxnSp>
+        <p:nvCxnSpPr>
+          <p:cNvPr id="5" name="Straight Connector 4"/>
+          <p:cNvCxnSpPr/>
+          <p:nvPr/>
+        </p:nvCxnSpPr>
+        <p:spPr>
+          <a:xfrm flipH="1">
+            <a:off x="4581525" y="4027328"/>
+            <a:ext cx="208915" cy="180340"/>
+          </a:xfrm>
+          <a:prstGeom prst="line">
+            <a:avLst/>
+          </a:prstGeom>
+          <a:ln w="28575">
+            <a:solidFill>
+              <a:schemeClr val="tx1"/>
+            </a:solidFill>
+          </a:ln>
+        </p:spPr>
+        <p:style>
+          <a:lnRef idx="1">
+            <a:schemeClr val="accent1"/>
+          </a:lnRef>
+          <a:fillRef idx="0">
+            <a:schemeClr val="accent1"/>
+          </a:fillRef>
+          <a:effectRef idx="0">
+            <a:schemeClr val="accent1"/>
+          </a:effectRef>
+          <a:fontRef idx="minor">
+            <a:schemeClr val="tx1"/>
+          </a:fontRef>
+        </p:style>
+      </p:cxnSp>
+      <p:cxnSp>
+        <p:nvCxnSpPr>
+          <p:cNvPr id="6" name="Straight Connector 5"/>
+          <p:cNvCxnSpPr/>
+          <p:nvPr/>
+        </p:nvCxnSpPr>
+        <p:spPr>
+          <a:xfrm flipH="1">
+            <a:off x="4705350" y="4027328"/>
+            <a:ext cx="208915" cy="180340"/>
+          </a:xfrm>
+          <a:prstGeom prst="line">
+            <a:avLst/>
+          </a:prstGeom>
+          <a:ln w="28575">
+            <a:solidFill>
+              <a:schemeClr val="tx1"/>
+            </a:solidFill>
+          </a:ln>
+        </p:spPr>
+        <p:style>
+          <a:lnRef idx="1">
+            <a:schemeClr val="accent1"/>
+          </a:lnRef>
+          <a:fillRef idx="0">
+            <a:schemeClr val="accent1"/>
+          </a:fillRef>
+          <a:effectRef idx="0">
+            <a:schemeClr val="accent1"/>
+          </a:effectRef>
+          <a:fontRef idx="minor">
+            <a:schemeClr val="tx1"/>
+          </a:fontRef>
+        </p:style>
+      </p:cxnSp>
+      <p:cxnSp>
+        <p:nvCxnSpPr>
+          <p:cNvPr id="7" name="Straight Connector 6"/>
+          <p:cNvCxnSpPr/>
+          <p:nvPr/>
+        </p:nvCxnSpPr>
+        <p:spPr>
+          <a:xfrm flipH="1">
+            <a:off x="4867275" y="4027328"/>
+            <a:ext cx="208915" cy="180340"/>
+          </a:xfrm>
+          <a:prstGeom prst="line">
+            <a:avLst/>
+          </a:prstGeom>
+          <a:ln w="28575">
+            <a:solidFill>
+              <a:schemeClr val="tx1"/>
+            </a:solidFill>
+          </a:ln>
+        </p:spPr>
+        <p:style>
+          <a:lnRef idx="1">
+            <a:schemeClr val="accent1"/>
+          </a:lnRef>
+          <a:fillRef idx="0">
+            <a:schemeClr val="accent1"/>
+          </a:fillRef>
+          <a:effectRef idx="0">
+            <a:schemeClr val="accent1"/>
+          </a:effectRef>
+          <a:fontRef idx="minor">
+            <a:schemeClr val="tx1"/>
+          </a:fontRef>
+        </p:style>
+      </p:cxnSp>
+      <p:cxnSp>
+        <p:nvCxnSpPr>
+          <p:cNvPr id="8" name="Straight Connector 7"/>
+          <p:cNvCxnSpPr/>
+          <p:nvPr/>
+        </p:nvCxnSpPr>
+        <p:spPr>
+          <a:xfrm flipH="1">
+            <a:off x="4991100" y="4027328"/>
+            <a:ext cx="208915" cy="180340"/>
+          </a:xfrm>
+          <a:prstGeom prst="line">
+            <a:avLst/>
+          </a:prstGeom>
+          <a:ln w="28575">
+            <a:solidFill>
+              <a:schemeClr val="tx1"/>
+            </a:solidFill>
+          </a:ln>
+        </p:spPr>
+        <p:style>
+          <a:lnRef idx="1">
+            <a:schemeClr val="accent1"/>
+          </a:lnRef>
+          <a:fillRef idx="0">
+            <a:schemeClr val="accent1"/>
+          </a:fillRef>
+          <a:effectRef idx="0">
+            <a:schemeClr val="accent1"/>
+          </a:effectRef>
+          <a:fontRef idx="minor">
+            <a:schemeClr val="tx1"/>
+          </a:fontRef>
+        </p:style>
+      </p:cxnSp>
+      <p:sp>
+        <p:nvSpPr>
+          <p:cNvPr id="9" name="Rectangle 8"/>
+          <p:cNvSpPr/>
+          <p:nvPr/>
+        </p:nvSpPr>
+        <p:spPr>
+          <a:xfrm rot="2479799">
+            <a:off x="6216650" y="3212623"/>
+            <a:ext cx="1352550" cy="200025"/>
+          </a:xfrm>
+          <a:prstGeom prst="rect">
+            <a:avLst/>
+          </a:prstGeom>
+          <a:solidFill>
+            <a:schemeClr val="bg1">
+              <a:lumMod val="85000"/>
+            </a:schemeClr>
+          </a:solidFill>
+          <a:ln w="12700">
+            <a:solidFill>
+              <a:schemeClr val="tx1"/>
+            </a:solidFill>
+          </a:ln>
+        </p:spPr>
+        <p:style>
+          <a:lnRef idx="2">
+            <a:schemeClr val="accent1">
+              <a:shade val="50000"/>
+            </a:schemeClr>
+          </a:lnRef>
+          <a:fillRef idx="1">
+            <a:schemeClr val="accent1"/>
+          </a:fillRef>
+          <a:effectRef idx="0">
+            <a:schemeClr val="accent1"/>
+          </a:effectRef>
+          <a:fontRef idx="minor">
+            <a:schemeClr val="lt1"/>
+          </a:fontRef>
+        </p:style>
+        <p:txBody>
+          <a:bodyPr rot="0" spcFirstLastPara="0" vert="horz" wrap="square" lIns="91440" tIns="45720" rIns="91440" bIns="45720" numCol="1" spcCol="0" rtlCol="0" fromWordArt="0" anchor="ctr" anchorCtr="0" forceAA="0" compatLnSpc="1">
+            <a:prstTxWarp prst="textNoShape">
+              <a:avLst/>
+            </a:prstTxWarp>
+            <a:noAutofit/>
+          </a:bodyPr>
+          <a:lstStyle/>
+          <a:p>
+            <a:endParaRPr lang="en-US"/>
+          </a:p>
+        </p:txBody>
+      </p:sp>
+      <p:sp>
+        <p:nvSpPr>
+          <p:cNvPr id="10" name="Rectangle 9"/>
+          <p:cNvSpPr/>
+          <p:nvPr/>
+        </p:nvSpPr>
+        <p:spPr>
+          <a:xfrm rot="19392992">
+            <a:off x="4612005" y="3347878"/>
+            <a:ext cx="1923415" cy="199390"/>
+          </a:xfrm>
+          <a:prstGeom prst="rect">
+            <a:avLst/>
+          </a:prstGeom>
+          <a:solidFill>
+            <a:schemeClr val="bg1">
+              <a:lumMod val="85000"/>
+            </a:schemeClr>
+          </a:solidFill>
+          <a:ln w="12700">
+            <a:solidFill>
+              <a:schemeClr val="tx1"/>
+            </a:solidFill>
+          </a:ln>
+        </p:spPr>
+        <p:style>
+          <a:lnRef idx="2">
+            <a:schemeClr val="accent1">
+              <a:shade val="50000"/>
+            </a:schemeClr>
+          </a:lnRef>
+          <a:fillRef idx="1">
+            <a:schemeClr val="accent1"/>
+          </a:fillRef>
+          <a:effectRef idx="0">
+            <a:schemeClr val="accent1"/>
+          </a:effectRef>
+          <a:fontRef idx="minor">
+            <a:schemeClr val="lt1"/>
+          </a:fontRef>
+        </p:style>
+        <p:txBody>
+          <a:bodyPr rot="0" spcFirstLastPara="0" vert="horz" wrap="square" lIns="91440" tIns="45720" rIns="91440" bIns="45720" numCol="1" spcCol="0" rtlCol="0" fromWordArt="0" anchor="ctr" anchorCtr="0" forceAA="0" compatLnSpc="1">
+            <a:prstTxWarp prst="textNoShape">
+              <a:avLst/>
+            </a:prstTxWarp>
+            <a:noAutofit/>
+          </a:bodyPr>
+          <a:lstStyle/>
+          <a:p>
+            <a:endParaRPr lang="en-US"/>
+          </a:p>
+        </p:txBody>
+      </p:sp>
+      <p:sp>
+        <p:nvSpPr>
+          <p:cNvPr id="11" name="Oval 10"/>
+          <p:cNvSpPr/>
+          <p:nvPr/>
+        </p:nvSpPr>
+        <p:spPr>
+          <a:xfrm>
+            <a:off x="4648200" y="3827303"/>
+            <a:ext cx="370840" cy="370840"/>
+          </a:xfrm>
+          <a:prstGeom prst="ellipse">
+            <a:avLst/>
+          </a:prstGeom>
+          <a:solidFill>
+            <a:schemeClr val="bg1"/>
+          </a:solidFill>
+          <a:ln w="28575">
+            <a:solidFill>
+              <a:schemeClr val="tx1"/>
+            </a:solidFill>
+          </a:ln>
+        </p:spPr>
+        <p:style>
+          <a:lnRef idx="2">
+            <a:schemeClr val="accent1">
+              <a:shade val="50000"/>
+            </a:schemeClr>
+          </a:lnRef>
+          <a:fillRef idx="1">
+            <a:schemeClr val="accent1"/>
+          </a:fillRef>
+          <a:effectRef idx="0">
+            <a:schemeClr val="accent1"/>
+          </a:effectRef>
+          <a:fontRef idx="minor">
+            <a:schemeClr val="lt1"/>
+          </a:fontRef>
+        </p:style>
+        <p:txBody>
+          <a:bodyPr rot="0" spcFirstLastPara="0" vert="horz" wrap="square" lIns="91440" tIns="45720" rIns="91440" bIns="45720" numCol="1" spcCol="0" rtlCol="0" fromWordArt="0" anchor="ctr" anchorCtr="0" forceAA="0" compatLnSpc="1">
+            <a:prstTxWarp prst="textNoShape">
+              <a:avLst/>
+            </a:prstTxWarp>
+            <a:noAutofit/>
+          </a:bodyPr>
+          <a:lstStyle/>
+          <a:p>
+            <a:endParaRPr lang="en-US"/>
+          </a:p>
+        </p:txBody>
+      </p:sp>
+      <p:sp>
+        <p:nvSpPr>
+          <p:cNvPr id="12" name="Oval 11"/>
+          <p:cNvSpPr/>
+          <p:nvPr/>
+        </p:nvSpPr>
+        <p:spPr>
+          <a:xfrm>
+            <a:off x="4743450" y="3913028"/>
+            <a:ext cx="189865" cy="189865"/>
+          </a:xfrm>
+          <a:prstGeom prst="ellipse">
+            <a:avLst/>
+          </a:prstGeom>
+          <a:solidFill>
+            <a:schemeClr val="tx1"/>
+          </a:solidFill>
+          <a:ln w="28575">
+            <a:noFill/>
+          </a:ln>
+        </p:spPr>
+        <p:style>
+          <a:lnRef idx="2">
+            <a:schemeClr val="accent1">
+              <a:shade val="50000"/>
+            </a:schemeClr>
+          </a:lnRef>
+          <a:fillRef idx="1">
+            <a:schemeClr val="accent1"/>
+          </a:fillRef>
+          <a:effectRef idx="0">
+            <a:schemeClr val="accent1"/>
+          </a:effectRef>
+          <a:fontRef idx="minor">
+            <a:schemeClr val="lt1"/>
+          </a:fontRef>
+        </p:style>
+        <p:txBody>
+          <a:bodyPr rot="0" spcFirstLastPara="0" vert="horz" wrap="square" lIns="91440" tIns="45720" rIns="91440" bIns="45720" numCol="1" spcCol="0" rtlCol="0" fromWordArt="0" anchor="ctr" anchorCtr="0" forceAA="0" compatLnSpc="1">
+            <a:prstTxWarp prst="textNoShape">
+              <a:avLst/>
+            </a:prstTxWarp>
+            <a:noAutofit/>
+          </a:bodyPr>
+          <a:lstStyle/>
+          <a:p>
+            <a:endParaRPr lang="en-US"/>
+          </a:p>
+        </p:txBody>
+      </p:sp>
+      <p:sp>
+        <p:nvSpPr>
+          <p:cNvPr id="13" name="Oval 12"/>
+          <p:cNvSpPr/>
+          <p:nvPr/>
+        </p:nvSpPr>
+        <p:spPr>
+          <a:xfrm>
+            <a:off x="6153150" y="2675413"/>
+            <a:ext cx="370840" cy="370840"/>
+          </a:xfrm>
+          <a:prstGeom prst="ellipse">
+            <a:avLst/>
+          </a:prstGeom>
+          <a:solidFill>
+            <a:schemeClr val="bg1"/>
+          </a:solidFill>
+          <a:ln w="28575">
+            <a:solidFill>
+              <a:schemeClr val="tx1"/>
+            </a:solidFill>
+          </a:ln>
+        </p:spPr>
+        <p:style>
+          <a:lnRef idx="2">
+            <a:schemeClr val="accent1">
+              <a:shade val="50000"/>
+            </a:schemeClr>
+          </a:lnRef>
+          <a:fillRef idx="1">
+            <a:schemeClr val="accent1"/>
+          </a:fillRef>
+          <a:effectRef idx="0">
+            <a:schemeClr val="accent1"/>
+          </a:effectRef>
+          <a:fontRef idx="minor">
+            <a:schemeClr val="lt1"/>
+          </a:fontRef>
+        </p:style>
+        <p:txBody>
+          <a:bodyPr rot="0" spcFirstLastPara="0" vert="horz" wrap="square" lIns="91440" tIns="45720" rIns="91440" bIns="45720" numCol="1" spcCol="0" rtlCol="0" fromWordArt="0" anchor="ctr" anchorCtr="0" forceAA="0" compatLnSpc="1">
+            <a:prstTxWarp prst="textNoShape">
+              <a:avLst/>
+            </a:prstTxWarp>
+            <a:noAutofit/>
+          </a:bodyPr>
+          <a:lstStyle/>
+          <a:p>
+            <a:endParaRPr lang="en-US"/>
+          </a:p>
+        </p:txBody>
+      </p:sp>
+      <p:sp>
+        <p:nvSpPr>
+          <p:cNvPr id="14" name="Oval 13"/>
+          <p:cNvSpPr/>
+          <p:nvPr/>
+        </p:nvSpPr>
+        <p:spPr>
+          <a:xfrm>
+            <a:off x="6248400" y="2761138"/>
+            <a:ext cx="189865" cy="189865"/>
+          </a:xfrm>
+          <a:prstGeom prst="ellipse">
+            <a:avLst/>
+          </a:prstGeom>
+          <a:solidFill>
+            <a:schemeClr val="tx1"/>
+          </a:solidFill>
+          <a:ln w="28575">
+            <a:noFill/>
+          </a:ln>
+        </p:spPr>
+        <p:style>
+          <a:lnRef idx="2">
+            <a:schemeClr val="accent1">
+              <a:shade val="50000"/>
+            </a:schemeClr>
+          </a:lnRef>
+          <a:fillRef idx="1">
+            <a:schemeClr val="accent1"/>
+          </a:fillRef>
+          <a:effectRef idx="0">
+            <a:schemeClr val="accent1"/>
+          </a:effectRef>
+          <a:fontRef idx="minor">
+            <a:schemeClr val="lt1"/>
+          </a:fontRef>
+        </p:style>
+        <p:txBody>
+          <a:bodyPr rot="0" spcFirstLastPara="0" vert="horz" wrap="square" lIns="91440" tIns="45720" rIns="91440" bIns="45720" numCol="1" spcCol="0" rtlCol="0" fromWordArt="0" anchor="ctr" anchorCtr="0" forceAA="0" compatLnSpc="1">
+            <a:prstTxWarp prst="textNoShape">
+              <a:avLst/>
+            </a:prstTxWarp>
+            <a:noAutofit/>
+          </a:bodyPr>
+          <a:lstStyle/>
+          <a:p>
+            <a:endParaRPr lang="en-US"/>
+          </a:p>
+        </p:txBody>
+      </p:sp>
+      <p:sp>
+        <p:nvSpPr>
+          <p:cNvPr id="15" name="Oval 14"/>
+          <p:cNvSpPr/>
+          <p:nvPr/>
+        </p:nvSpPr>
+        <p:spPr>
+          <a:xfrm>
+            <a:off x="7305675" y="3655853"/>
+            <a:ext cx="218440" cy="218440"/>
+          </a:xfrm>
+          <a:prstGeom prst="ellipse">
+            <a:avLst/>
+          </a:prstGeom>
+          <a:solidFill>
+            <a:schemeClr val="bg1">
+              <a:lumMod val="50000"/>
+            </a:schemeClr>
+          </a:solidFill>
+          <a:ln>
+            <a:solidFill>
+              <a:schemeClr val="tx1"/>
+            </a:solidFill>
+          </a:ln>
+        </p:spPr>
+        <p:style>
+          <a:lnRef idx="2">
+            <a:schemeClr val="accent1">
+              <a:shade val="50000"/>
+            </a:schemeClr>
+          </a:lnRef>
+          <a:fillRef idx="1">
+            <a:schemeClr val="accent1"/>
+          </a:fillRef>
+          <a:effectRef idx="0">
+            <a:schemeClr val="accent1"/>
+          </a:effectRef>
+          <a:fontRef idx="minor">
+            <a:schemeClr val="lt1"/>
+          </a:fontRef>
+        </p:style>
+        <p:txBody>
+          <a:bodyPr rot="0" spcFirstLastPara="0" vert="horz" wrap="square" lIns="91440" tIns="45720" rIns="91440" bIns="45720" numCol="1" spcCol="0" rtlCol="0" fromWordArt="0" anchor="ctr" anchorCtr="0" forceAA="0" compatLnSpc="1">
+            <a:prstTxWarp prst="textNoShape">
+              <a:avLst/>
+            </a:prstTxWarp>
+            <a:noAutofit/>
+          </a:bodyPr>
+          <a:lstStyle/>
+          <a:p>
+            <a:endParaRPr lang="en-US"/>
+          </a:p>
+        </p:txBody>
+      </p:sp>
+      <p:cxnSp>
+        <p:nvCxnSpPr>
+          <p:cNvPr id="16" name="Straight Connector 15"/>
+          <p:cNvCxnSpPr/>
+          <p:nvPr/>
+        </p:nvCxnSpPr>
+        <p:spPr>
+          <a:xfrm flipH="1">
+            <a:off x="5124450" y="4027328"/>
+            <a:ext cx="208915" cy="180340"/>
+          </a:xfrm>
+          <a:prstGeom prst="line">
+            <a:avLst/>
+          </a:prstGeom>
+          <a:ln w="28575">
+            <a:solidFill>
+              <a:schemeClr val="tx1"/>
+            </a:solidFill>
+          </a:ln>
+        </p:spPr>
+        <p:style>
+          <a:lnRef idx="1">
+            <a:schemeClr val="accent1"/>
+          </a:lnRef>
+          <a:fillRef idx="0">
+            <a:schemeClr val="accent1"/>
+          </a:fillRef>
+          <a:effectRef idx="0">
+            <a:schemeClr val="accent1"/>
+          </a:effectRef>
+          <a:fontRef idx="minor">
+            <a:schemeClr val="tx1"/>
+          </a:fontRef>
+        </p:style>
+      </p:cxnSp>
+      <p:sp>
+        <p:nvSpPr>
+          <p:cNvPr id="17" name="Text Box 18"/>
+          <p:cNvSpPr txBox="1"/>
+          <p:nvPr/>
+        </p:nvSpPr>
+        <p:spPr>
+          <a:xfrm>
+            <a:off x="4167787" y="3685380"/>
+            <a:ext cx="685165" cy="370840"/>
+          </a:xfrm>
+          <a:prstGeom prst="rect">
+            <a:avLst/>
+          </a:prstGeom>
+          <a:noFill/>
+          <a:ln w="6350">
+            <a:noFill/>
+          </a:ln>
+          <a:effectLst/>
+        </p:spPr>
+        <p:style>
+          <a:lnRef idx="0">
+            <a:schemeClr val="accent1"/>
+          </a:lnRef>
+          <a:fillRef idx="0">
+            <a:schemeClr val="accent1"/>
+          </a:fillRef>
+          <a:effectRef idx="0">
+            <a:schemeClr val="accent1"/>
+          </a:effectRef>
+          <a:fontRef idx="minor">
+            <a:schemeClr val="dk1"/>
+          </a:fontRef>
+        </p:style>
+        <p:txBody>
+          <a:bodyPr rot="0" spcFirstLastPara="0" vert="horz" wrap="square" lIns="0" tIns="0" rIns="0" bIns="0" numCol="1" spcCol="0" rtlCol="0" fromWordArt="0" anchor="t" anchorCtr="0" forceAA="0" compatLnSpc="1">
+            <a:prstTxWarp prst="textNoShape">
+              <a:avLst/>
+            </a:prstTxWarp>
+            <a:noAutofit/>
+          </a:bodyPr>
+          <a:lstStyle/>
+          <a:p>
+            <a:pPr marL="0" marR="0">
+              <a:lnSpc>
+                <a:spcPct val="115000"/>
+              </a:lnSpc>
+              <a:spcBef>
+                <a:spcPts val="0"/>
+              </a:spcBef>
+              <a:spcAft>
+                <a:spcPts val="1000"/>
+              </a:spcAft>
+            </a:pPr>
+            <a:r>
+              <a:rPr lang="en-US" sz="1600" dirty="0">
+                <a:effectLst/>
+                <a:latin typeface="Times New Roman" panose="02020603050405020304" pitchFamily="18" charset="0"/>
+                <a:ea typeface="Calibri" panose="020F0502020204030204" pitchFamily="34" charset="0"/>
+                <a:cs typeface="Times New Roman" panose="02020603050405020304" pitchFamily="18" charset="0"/>
+              </a:rPr>
+              <a:t>(0,0)</a:t>
+            </a:r>
+          </a:p>
+        </p:txBody>
+      </p:sp>
+      <p:sp>
+        <p:nvSpPr>
+          <p:cNvPr id="18" name="Text Box 19"/>
+          <p:cNvSpPr txBox="1"/>
+          <p:nvPr/>
+        </p:nvSpPr>
+        <p:spPr>
+          <a:xfrm>
+            <a:off x="5047118" y="2543333"/>
+            <a:ext cx="685165" cy="370840"/>
+          </a:xfrm>
+          <a:prstGeom prst="rect">
+            <a:avLst/>
+          </a:prstGeom>
+          <a:noFill/>
+          <a:ln w="6350">
+            <a:noFill/>
+          </a:ln>
+          <a:effectLst/>
+        </p:spPr>
+        <p:style>
+          <a:lnRef idx="0">
+            <a:schemeClr val="accent1"/>
+          </a:lnRef>
+          <a:fillRef idx="0">
+            <a:schemeClr val="accent1"/>
+          </a:fillRef>
+          <a:effectRef idx="0">
+            <a:schemeClr val="accent1"/>
+          </a:effectRef>
+          <a:fontRef idx="minor">
+            <a:schemeClr val="dk1"/>
+          </a:fontRef>
+        </p:style>
+        <p:txBody>
+          <a:bodyPr rot="0" spcFirstLastPara="0" vert="horz" wrap="square" lIns="0" tIns="0" rIns="0" bIns="0" numCol="1" spcCol="0" rtlCol="0" fromWordArt="0" anchor="t" anchorCtr="0" forceAA="0" compatLnSpc="1">
+            <a:prstTxWarp prst="textNoShape">
+              <a:avLst/>
+            </a:prstTxWarp>
+            <a:noAutofit/>
+          </a:bodyPr>
+          <a:lstStyle/>
+          <a:p>
+            <a:pPr marL="0" marR="0">
+              <a:lnSpc>
+                <a:spcPct val="115000"/>
+              </a:lnSpc>
+              <a:spcBef>
+                <a:spcPts val="0"/>
+              </a:spcBef>
+              <a:spcAft>
+                <a:spcPts val="1000"/>
+              </a:spcAft>
+            </a:pPr>
+            <a:r>
+              <a:rPr lang="en-US" sz="1600" i="1" dirty="0">
+                <a:effectLst/>
+                <a:latin typeface="Times New Roman" panose="02020603050405020304" pitchFamily="18" charset="0"/>
+                <a:ea typeface="Calibri" panose="020F0502020204030204" pitchFamily="34" charset="0"/>
+                <a:cs typeface="Times New Roman" panose="02020603050405020304" pitchFamily="18" charset="0"/>
+              </a:rPr>
+              <a:t>L</a:t>
+            </a:r>
+            <a:r>
+              <a:rPr lang="en-US" sz="1600" baseline="-25000" dirty="0">
+                <a:effectLst/>
+                <a:latin typeface="Times New Roman" panose="02020603050405020304" pitchFamily="18" charset="0"/>
+                <a:ea typeface="Calibri" panose="020F0502020204030204" pitchFamily="34" charset="0"/>
+                <a:cs typeface="Times New Roman" panose="02020603050405020304" pitchFamily="18" charset="0"/>
+              </a:rPr>
+              <a:t>1</a:t>
+            </a:r>
+            <a:endParaRPr lang="en-US" sz="1600" dirty="0">
+              <a:effectLst/>
+              <a:latin typeface="Times New Roman" panose="02020603050405020304" pitchFamily="18" charset="0"/>
+              <a:ea typeface="Calibri" panose="020F0502020204030204" pitchFamily="34" charset="0"/>
+              <a:cs typeface="Times New Roman" panose="02020603050405020304" pitchFamily="18" charset="0"/>
+            </a:endParaRPr>
+          </a:p>
+        </p:txBody>
+      </p:sp>
+      <p:sp>
+        <p:nvSpPr>
+          <p:cNvPr id="19" name="Text Box 20"/>
+          <p:cNvSpPr txBox="1"/>
+          <p:nvPr/>
+        </p:nvSpPr>
+        <p:spPr>
+          <a:xfrm>
+            <a:off x="7305675" y="2770663"/>
+            <a:ext cx="685165" cy="370840"/>
+          </a:xfrm>
+          <a:prstGeom prst="rect">
+            <a:avLst/>
+          </a:prstGeom>
+          <a:noFill/>
+          <a:ln w="6350">
+            <a:noFill/>
+          </a:ln>
+          <a:effectLst/>
+        </p:spPr>
+        <p:style>
+          <a:lnRef idx="0">
+            <a:schemeClr val="accent1"/>
+          </a:lnRef>
+          <a:fillRef idx="0">
+            <a:schemeClr val="accent1"/>
+          </a:fillRef>
+          <a:effectRef idx="0">
+            <a:schemeClr val="accent1"/>
+          </a:effectRef>
+          <a:fontRef idx="minor">
+            <a:schemeClr val="dk1"/>
+          </a:fontRef>
+        </p:style>
+        <p:txBody>
+          <a:bodyPr rot="0" spcFirstLastPara="0" vert="horz" wrap="square" lIns="0" tIns="0" rIns="0" bIns="0" numCol="1" spcCol="0" rtlCol="0" fromWordArt="0" anchor="t" anchorCtr="0" forceAA="0" compatLnSpc="1">
+            <a:prstTxWarp prst="textNoShape">
+              <a:avLst/>
+            </a:prstTxWarp>
+            <a:noAutofit/>
+          </a:bodyPr>
+          <a:lstStyle/>
+          <a:p>
+            <a:pPr marL="0" marR="0">
+              <a:lnSpc>
+                <a:spcPct val="115000"/>
+              </a:lnSpc>
+              <a:spcBef>
+                <a:spcPts val="0"/>
+              </a:spcBef>
+              <a:spcAft>
+                <a:spcPts val="1000"/>
+              </a:spcAft>
+            </a:pPr>
+            <a:r>
+              <a:rPr lang="en-US" sz="1600" i="1" dirty="0">
+                <a:effectLst/>
+                <a:latin typeface="Times New Roman" panose="02020603050405020304" pitchFamily="18" charset="0"/>
+                <a:ea typeface="Calibri" panose="020F0502020204030204" pitchFamily="34" charset="0"/>
+                <a:cs typeface="Times New Roman" panose="02020603050405020304" pitchFamily="18" charset="0"/>
+              </a:rPr>
+              <a:t>L</a:t>
+            </a:r>
+            <a:r>
+              <a:rPr lang="en-US" sz="1600" baseline="-25000" dirty="0">
+                <a:effectLst/>
+                <a:latin typeface="Times New Roman" panose="02020603050405020304" pitchFamily="18" charset="0"/>
+                <a:ea typeface="Calibri" panose="020F0502020204030204" pitchFamily="34" charset="0"/>
+                <a:cs typeface="Times New Roman" panose="02020603050405020304" pitchFamily="18" charset="0"/>
+              </a:rPr>
+              <a:t>2</a:t>
+            </a:r>
+            <a:endParaRPr lang="en-US" sz="1600" dirty="0">
+              <a:effectLst/>
+              <a:latin typeface="Times New Roman" panose="02020603050405020304" pitchFamily="18" charset="0"/>
+              <a:ea typeface="Calibri" panose="020F0502020204030204" pitchFamily="34" charset="0"/>
+              <a:cs typeface="Times New Roman" panose="02020603050405020304" pitchFamily="18" charset="0"/>
+            </a:endParaRPr>
+          </a:p>
+        </p:txBody>
+      </p:sp>
+      <p:sp>
+        <p:nvSpPr>
+          <p:cNvPr id="20" name="Left Brace 19"/>
+          <p:cNvSpPr/>
+          <p:nvPr/>
+        </p:nvSpPr>
+        <p:spPr>
+          <a:xfrm rot="3203178">
+            <a:off x="5176837" y="2153761"/>
+            <a:ext cx="361315" cy="1807210"/>
+          </a:xfrm>
+          <a:prstGeom prst="leftBrace">
+            <a:avLst>
+              <a:gd name="adj1" fmla="val 26754"/>
+              <a:gd name="adj2" fmla="val 50000"/>
+            </a:avLst>
+          </a:prstGeom>
+          <a:ln>
+            <a:solidFill>
+              <a:schemeClr val="tx1"/>
+            </a:solidFill>
+          </a:ln>
+        </p:spPr>
+        <p:style>
+          <a:lnRef idx="1">
+            <a:schemeClr val="accent1"/>
+          </a:lnRef>
+          <a:fillRef idx="0">
+            <a:schemeClr val="accent1"/>
+          </a:fillRef>
+          <a:effectRef idx="0">
+            <a:schemeClr val="accent1"/>
+          </a:effectRef>
+          <a:fontRef idx="minor">
+            <a:schemeClr val="tx1"/>
+          </a:fontRef>
+        </p:style>
+        <p:txBody>
+          <a:bodyPr rot="0" spcFirstLastPara="0" vert="horz" wrap="square" lIns="91440" tIns="45720" rIns="91440" bIns="45720" numCol="1" spcCol="0" rtlCol="0" fromWordArt="0" anchor="ctr" anchorCtr="0" forceAA="0" compatLnSpc="1">
+            <a:prstTxWarp prst="textNoShape">
+              <a:avLst/>
+            </a:prstTxWarp>
+            <a:noAutofit/>
+          </a:bodyPr>
+          <a:lstStyle/>
+          <a:p>
+            <a:endParaRPr lang="en-US"/>
+          </a:p>
+        </p:txBody>
+      </p:sp>
+      <p:sp>
+        <p:nvSpPr>
+          <p:cNvPr id="21" name="Left Brace 20"/>
+          <p:cNvSpPr/>
+          <p:nvPr/>
+        </p:nvSpPr>
+        <p:spPr>
+          <a:xfrm rot="7932048">
+            <a:off x="6925627" y="2331561"/>
+            <a:ext cx="361315" cy="1424940"/>
+          </a:xfrm>
+          <a:prstGeom prst="leftBrace">
+            <a:avLst>
+              <a:gd name="adj1" fmla="val 26754"/>
+              <a:gd name="adj2" fmla="val 50000"/>
+            </a:avLst>
+          </a:prstGeom>
+          <a:ln>
+            <a:solidFill>
+              <a:schemeClr val="tx1"/>
+            </a:solidFill>
+          </a:ln>
+        </p:spPr>
+        <p:style>
+          <a:lnRef idx="1">
+            <a:schemeClr val="accent1"/>
+          </a:lnRef>
+          <a:fillRef idx="0">
+            <a:schemeClr val="accent1"/>
+          </a:fillRef>
+          <a:effectRef idx="0">
+            <a:schemeClr val="accent1"/>
+          </a:effectRef>
+          <a:fontRef idx="minor">
+            <a:schemeClr val="tx1"/>
+          </a:fontRef>
+        </p:style>
+        <p:txBody>
+          <a:bodyPr rot="0" spcFirstLastPara="0" vert="horz" wrap="square" lIns="91440" tIns="45720" rIns="91440" bIns="45720" numCol="1" spcCol="0" rtlCol="0" fromWordArt="0" anchor="ctr" anchorCtr="0" forceAA="0" compatLnSpc="1">
+            <a:prstTxWarp prst="textNoShape">
+              <a:avLst/>
+            </a:prstTxWarp>
+            <a:noAutofit/>
+          </a:bodyPr>
+          <a:lstStyle/>
+          <a:p>
+            <a:endParaRPr lang="en-US"/>
+          </a:p>
+        </p:txBody>
+      </p:sp>
+      <p:sp>
+        <p:nvSpPr>
+          <p:cNvPr id="22" name="Text Box 23"/>
+          <p:cNvSpPr txBox="1"/>
+          <p:nvPr/>
+        </p:nvSpPr>
+        <p:spPr>
+          <a:xfrm>
+            <a:off x="7372350" y="3913663"/>
+            <a:ext cx="685165" cy="285115"/>
+          </a:xfrm>
+          <a:prstGeom prst="rect">
+            <a:avLst/>
+          </a:prstGeom>
+          <a:noFill/>
+          <a:ln w="6350">
+            <a:noFill/>
+          </a:ln>
+          <a:effectLst/>
+        </p:spPr>
+        <p:style>
+          <a:lnRef idx="0">
+            <a:schemeClr val="accent1"/>
+          </a:lnRef>
+          <a:fillRef idx="0">
+            <a:schemeClr val="accent1"/>
+          </a:fillRef>
+          <a:effectRef idx="0">
+            <a:schemeClr val="accent1"/>
+          </a:effectRef>
+          <a:fontRef idx="minor">
+            <a:schemeClr val="dk1"/>
+          </a:fontRef>
+        </p:style>
+        <p:txBody>
+          <a:bodyPr rot="0" spcFirstLastPara="0" vert="horz" wrap="square" lIns="0" tIns="0" rIns="0" bIns="0" numCol="1" spcCol="0" rtlCol="0" fromWordArt="0" anchor="t" anchorCtr="0" forceAA="0" compatLnSpc="1">
+            <a:prstTxWarp prst="textNoShape">
+              <a:avLst/>
+            </a:prstTxWarp>
+            <a:noAutofit/>
+          </a:bodyPr>
+          <a:lstStyle/>
+          <a:p>
+            <a:pPr marL="0" marR="0">
+              <a:lnSpc>
+                <a:spcPct val="115000"/>
+              </a:lnSpc>
+              <a:spcBef>
+                <a:spcPts val="0"/>
+              </a:spcBef>
+              <a:spcAft>
+                <a:spcPts val="1000"/>
+              </a:spcAft>
+            </a:pPr>
+            <a:r>
+              <a:rPr lang="en-US" sz="1600" b="1" i="1">
+                <a:effectLst/>
+                <a:latin typeface="Times New Roman" panose="02020603050405020304" pitchFamily="18" charset="0"/>
+                <a:ea typeface="Calibri" panose="020F0502020204030204" pitchFamily="34" charset="0"/>
+                <a:cs typeface="Times New Roman" panose="02020603050405020304" pitchFamily="18" charset="0"/>
+              </a:rPr>
+              <a:t>x</a:t>
+            </a:r>
+            <a:endParaRPr lang="en-US" sz="1600" b="1">
+              <a:effectLst/>
+              <a:latin typeface="Times New Roman" panose="02020603050405020304" pitchFamily="18" charset="0"/>
+              <a:ea typeface="Calibri" panose="020F0502020204030204" pitchFamily="34" charset="0"/>
+              <a:cs typeface="Times New Roman" panose="02020603050405020304" pitchFamily="18" charset="0"/>
+            </a:endParaRPr>
+          </a:p>
+        </p:txBody>
+      </p:sp>
+      <p:sp>
+        <p:nvSpPr>
+          <p:cNvPr id="23" name="Arc 22"/>
+          <p:cNvSpPr/>
+          <p:nvPr/>
+        </p:nvSpPr>
+        <p:spPr>
+          <a:xfrm>
+            <a:off x="4134485" y="3323113"/>
+            <a:ext cx="1380490" cy="1381125"/>
+          </a:xfrm>
+          <a:prstGeom prst="arc">
+            <a:avLst>
+              <a:gd name="adj1" fmla="val 19314248"/>
+              <a:gd name="adj2" fmla="val 0"/>
+            </a:avLst>
+          </a:prstGeom>
+          <a:ln w="28575">
+            <a:solidFill>
+              <a:schemeClr val="tx1"/>
+            </a:solidFill>
+          </a:ln>
+        </p:spPr>
+        <p:style>
+          <a:lnRef idx="1">
+            <a:schemeClr val="accent1"/>
+          </a:lnRef>
+          <a:fillRef idx="0">
+            <a:schemeClr val="accent1"/>
+          </a:fillRef>
+          <a:effectRef idx="0">
+            <a:schemeClr val="accent1"/>
+          </a:effectRef>
+          <a:fontRef idx="minor">
+            <a:schemeClr val="tx1"/>
+          </a:fontRef>
+        </p:style>
+        <p:txBody>
+          <a:bodyPr rot="0" spcFirstLastPara="0" vert="horz" wrap="square" lIns="91440" tIns="45720" rIns="91440" bIns="45720" numCol="1" spcCol="0" rtlCol="0" fromWordArt="0" anchor="ctr" anchorCtr="0" forceAA="0" compatLnSpc="1">
+            <a:prstTxWarp prst="textNoShape">
+              <a:avLst/>
+            </a:prstTxWarp>
+            <a:noAutofit/>
+          </a:bodyPr>
+          <a:lstStyle/>
+          <a:p>
+            <a:endParaRPr lang="en-US"/>
+          </a:p>
+        </p:txBody>
+      </p:sp>
+      <p:cxnSp>
+        <p:nvCxnSpPr>
+          <p:cNvPr id="24" name="Straight Connector 23"/>
+          <p:cNvCxnSpPr/>
+          <p:nvPr/>
+        </p:nvCxnSpPr>
+        <p:spPr>
+          <a:xfrm flipV="1">
+            <a:off x="4857750" y="2199163"/>
+            <a:ext cx="2332990" cy="1790065"/>
+          </a:xfrm>
+          <a:prstGeom prst="line">
+            <a:avLst/>
+          </a:prstGeom>
+          <a:ln w="19050">
+            <a:solidFill>
+              <a:schemeClr val="tx1"/>
+            </a:solidFill>
+            <a:prstDash val="sysDash"/>
+          </a:ln>
+        </p:spPr>
+        <p:style>
+          <a:lnRef idx="1">
+            <a:schemeClr val="accent1"/>
+          </a:lnRef>
+          <a:fillRef idx="0">
+            <a:schemeClr val="accent1"/>
+          </a:fillRef>
+          <a:effectRef idx="0">
+            <a:schemeClr val="accent1"/>
+          </a:effectRef>
+          <a:fontRef idx="minor">
+            <a:schemeClr val="tx1"/>
+          </a:fontRef>
+        </p:style>
+      </p:cxnSp>
+      <p:cxnSp>
+        <p:nvCxnSpPr>
+          <p:cNvPr id="25" name="Straight Connector 24"/>
+          <p:cNvCxnSpPr/>
+          <p:nvPr/>
+        </p:nvCxnSpPr>
+        <p:spPr>
+          <a:xfrm>
+            <a:off x="6352540" y="2857023"/>
+            <a:ext cx="1061085" cy="919480"/>
+          </a:xfrm>
+          <a:prstGeom prst="line">
+            <a:avLst/>
+          </a:prstGeom>
+          <a:ln w="19050">
+            <a:solidFill>
+              <a:schemeClr val="tx1"/>
+            </a:solidFill>
+            <a:prstDash val="sysDash"/>
+          </a:ln>
+        </p:spPr>
+        <p:style>
+          <a:lnRef idx="1">
+            <a:schemeClr val="accent1"/>
+          </a:lnRef>
+          <a:fillRef idx="0">
+            <a:schemeClr val="accent1"/>
+          </a:fillRef>
+          <a:effectRef idx="0">
+            <a:schemeClr val="accent1"/>
+          </a:effectRef>
+          <a:fontRef idx="minor">
+            <a:schemeClr val="tx1"/>
+          </a:fontRef>
+        </p:style>
+      </p:cxnSp>
+      <p:sp>
+        <p:nvSpPr>
+          <p:cNvPr id="26" name="Arc 25"/>
+          <p:cNvSpPr/>
+          <p:nvPr/>
+        </p:nvSpPr>
+        <p:spPr>
+          <a:xfrm>
+            <a:off x="5629275" y="2199163"/>
+            <a:ext cx="1380490" cy="1381125"/>
+          </a:xfrm>
+          <a:prstGeom prst="arc">
+            <a:avLst>
+              <a:gd name="adj1" fmla="val 2207639"/>
+              <a:gd name="adj2" fmla="val 19304736"/>
+            </a:avLst>
+          </a:prstGeom>
+          <a:ln w="28575">
+            <a:solidFill>
+              <a:schemeClr val="tx1"/>
+            </a:solidFill>
+          </a:ln>
+        </p:spPr>
+        <p:style>
+          <a:lnRef idx="1">
+            <a:schemeClr val="accent1"/>
+          </a:lnRef>
+          <a:fillRef idx="0">
+            <a:schemeClr val="accent1"/>
+          </a:fillRef>
+          <a:effectRef idx="0">
+            <a:schemeClr val="accent1"/>
+          </a:effectRef>
+          <a:fontRef idx="minor">
+            <a:schemeClr val="tx1"/>
+          </a:fontRef>
+        </p:style>
+        <p:txBody>
+          <a:bodyPr rot="0" spcFirstLastPara="0" vert="horz" wrap="square" lIns="91440" tIns="45720" rIns="91440" bIns="45720" numCol="1" spcCol="0" rtlCol="0" fromWordArt="0" anchor="ctr" anchorCtr="0" forceAA="0" compatLnSpc="1">
+            <a:prstTxWarp prst="textNoShape">
+              <a:avLst/>
+            </a:prstTxWarp>
+            <a:noAutofit/>
+          </a:bodyPr>
+          <a:lstStyle/>
+          <a:p>
+            <a:endParaRPr lang="en-US"/>
+          </a:p>
+        </p:txBody>
+      </p:sp>
+      <p:sp>
+        <p:nvSpPr>
+          <p:cNvPr id="27" name="Text Box 28"/>
+          <p:cNvSpPr txBox="1"/>
+          <p:nvPr/>
+        </p:nvSpPr>
+        <p:spPr>
+          <a:xfrm>
+            <a:off x="5562600" y="3732053"/>
+            <a:ext cx="685165" cy="370840"/>
+          </a:xfrm>
+          <a:prstGeom prst="rect">
+            <a:avLst/>
+          </a:prstGeom>
+          <a:noFill/>
+          <a:ln w="6350">
+            <a:noFill/>
+          </a:ln>
+          <a:effectLst/>
+        </p:spPr>
+        <p:style>
+          <a:lnRef idx="0">
+            <a:schemeClr val="accent1"/>
+          </a:lnRef>
+          <a:fillRef idx="0">
+            <a:schemeClr val="accent1"/>
+          </a:fillRef>
+          <a:effectRef idx="0">
+            <a:schemeClr val="accent1"/>
+          </a:effectRef>
+          <a:fontRef idx="minor">
+            <a:schemeClr val="dk1"/>
+          </a:fontRef>
+        </p:style>
+        <p:txBody>
+          <a:bodyPr rot="0" spcFirstLastPara="0" vert="horz" wrap="square" lIns="0" tIns="0" rIns="0" bIns="0" numCol="1" spcCol="0" rtlCol="0" fromWordArt="0" anchor="t" anchorCtr="0" forceAA="0" compatLnSpc="1">
+            <a:prstTxWarp prst="textNoShape">
+              <a:avLst/>
+            </a:prstTxWarp>
+            <a:noAutofit/>
+          </a:bodyPr>
+          <a:lstStyle/>
+          <a:p>
+            <a:pPr marL="0" marR="0">
+              <a:lnSpc>
+                <a:spcPct val="115000"/>
+              </a:lnSpc>
+              <a:spcBef>
+                <a:spcPts val="0"/>
+              </a:spcBef>
+              <a:spcAft>
+                <a:spcPts val="1000"/>
+              </a:spcAft>
+            </a:pPr>
+            <a:r>
+              <a:rPr lang="en-US" sz="1600" i="1" dirty="0">
+                <a:effectLst/>
+                <a:latin typeface="Times New Roman" panose="02020603050405020304" pitchFamily="18" charset="0"/>
+                <a:ea typeface="Calibri" panose="020F0502020204030204" pitchFamily="34" charset="0"/>
+                <a:cs typeface="Times New Roman" panose="02020603050405020304" pitchFamily="18" charset="0"/>
+              </a:rPr>
+              <a:t>q</a:t>
+            </a:r>
+            <a:r>
+              <a:rPr lang="en-US" sz="1600" baseline="-25000" dirty="0">
+                <a:effectLst/>
+                <a:latin typeface="Times New Roman" panose="02020603050405020304" pitchFamily="18" charset="0"/>
+                <a:ea typeface="Calibri" panose="020F0502020204030204" pitchFamily="34" charset="0"/>
+                <a:cs typeface="Times New Roman" panose="02020603050405020304" pitchFamily="18" charset="0"/>
+              </a:rPr>
+              <a:t>1</a:t>
+            </a:r>
+            <a:endParaRPr lang="en-US" sz="1600" dirty="0">
+              <a:effectLst/>
+              <a:latin typeface="Times New Roman" panose="02020603050405020304" pitchFamily="18" charset="0"/>
+              <a:ea typeface="Calibri" panose="020F0502020204030204" pitchFamily="34" charset="0"/>
+              <a:cs typeface="Times New Roman" panose="02020603050405020304" pitchFamily="18" charset="0"/>
+            </a:endParaRPr>
+          </a:p>
+        </p:txBody>
+      </p:sp>
+      <p:sp>
+        <p:nvSpPr>
+          <p:cNvPr id="28" name="Text Box 29"/>
+          <p:cNvSpPr txBox="1"/>
+          <p:nvPr/>
+        </p:nvSpPr>
+        <p:spPr>
+          <a:xfrm>
+            <a:off x="6404610" y="2199163"/>
+            <a:ext cx="685165" cy="370840"/>
+          </a:xfrm>
+          <a:prstGeom prst="rect">
+            <a:avLst/>
+          </a:prstGeom>
+          <a:noFill/>
+          <a:ln w="6350">
+            <a:noFill/>
+          </a:ln>
+          <a:effectLst/>
+        </p:spPr>
+        <p:style>
+          <a:lnRef idx="0">
+            <a:schemeClr val="accent1"/>
+          </a:lnRef>
+          <a:fillRef idx="0">
+            <a:schemeClr val="accent1"/>
+          </a:fillRef>
+          <a:effectRef idx="0">
+            <a:schemeClr val="accent1"/>
+          </a:effectRef>
+          <a:fontRef idx="minor">
+            <a:schemeClr val="dk1"/>
+          </a:fontRef>
+        </p:style>
+        <p:txBody>
+          <a:bodyPr rot="0" spcFirstLastPara="0" vert="horz" wrap="square" lIns="0" tIns="0" rIns="0" bIns="0" numCol="1" spcCol="0" rtlCol="0" fromWordArt="0" anchor="t" anchorCtr="0" forceAA="0" compatLnSpc="1">
+            <a:prstTxWarp prst="textNoShape">
+              <a:avLst/>
+            </a:prstTxWarp>
+            <a:noAutofit/>
+          </a:bodyPr>
+          <a:lstStyle/>
+          <a:p>
+            <a:pPr marL="0" marR="0">
+              <a:lnSpc>
+                <a:spcPct val="115000"/>
+              </a:lnSpc>
+              <a:spcBef>
+                <a:spcPts val="0"/>
+              </a:spcBef>
+              <a:spcAft>
+                <a:spcPts val="1000"/>
+              </a:spcAft>
+            </a:pPr>
+            <a:r>
+              <a:rPr lang="en-US" sz="1600" i="1">
+                <a:effectLst/>
+                <a:latin typeface="Times New Roman" panose="02020603050405020304" pitchFamily="18" charset="0"/>
+                <a:ea typeface="Calibri" panose="020F0502020204030204" pitchFamily="34" charset="0"/>
+                <a:cs typeface="Times New Roman" panose="02020603050405020304" pitchFamily="18" charset="0"/>
+              </a:rPr>
+              <a:t>q</a:t>
+            </a:r>
+            <a:r>
+              <a:rPr lang="en-US" sz="1600" baseline="-25000">
+                <a:effectLst/>
+                <a:latin typeface="Times New Roman" panose="02020603050405020304" pitchFamily="18" charset="0"/>
+                <a:ea typeface="Calibri" panose="020F0502020204030204" pitchFamily="34" charset="0"/>
+                <a:cs typeface="Times New Roman" panose="02020603050405020304" pitchFamily="18" charset="0"/>
+              </a:rPr>
+              <a:t>2</a:t>
+            </a:r>
+            <a:endParaRPr lang="en-US" sz="1600">
+              <a:effectLst/>
+              <a:latin typeface="Times New Roman" panose="02020603050405020304" pitchFamily="18" charset="0"/>
+              <a:ea typeface="Calibri" panose="020F0502020204030204" pitchFamily="34" charset="0"/>
+              <a:cs typeface="Times New Roman" panose="02020603050405020304" pitchFamily="18" charset="0"/>
+            </a:endParaRPr>
+          </a:p>
+        </p:txBody>
+      </p:sp>
+      <p:cxnSp>
+        <p:nvCxnSpPr>
+          <p:cNvPr id="29" name="Straight Connector 28"/>
+          <p:cNvCxnSpPr/>
+          <p:nvPr/>
+        </p:nvCxnSpPr>
+        <p:spPr>
+          <a:xfrm>
+            <a:off x="4857750" y="4027328"/>
+            <a:ext cx="923290" cy="0"/>
+          </a:xfrm>
+          <a:prstGeom prst="line">
+            <a:avLst/>
+          </a:prstGeom>
+          <a:ln w="19050">
+            <a:solidFill>
+              <a:schemeClr val="tx1"/>
+            </a:solidFill>
+            <a:prstDash val="sysDash"/>
+          </a:ln>
+        </p:spPr>
+        <p:style>
+          <a:lnRef idx="1">
+            <a:schemeClr val="accent1"/>
+          </a:lnRef>
+          <a:fillRef idx="0">
+            <a:schemeClr val="accent1"/>
+          </a:fillRef>
+          <a:effectRef idx="0">
+            <a:schemeClr val="accent1"/>
+          </a:effectRef>
+          <a:fontRef idx="minor">
+            <a:schemeClr val="tx1"/>
+          </a:fontRef>
+        </p:style>
+      </p:cxnSp>
+    </p:spTree>
+    <p:extLst>
+      <p:ext uri="{BB962C8B-B14F-4D97-AF65-F5344CB8AC3E}">
+        <p14:creationId xmlns:p14="http://schemas.microsoft.com/office/powerpoint/2010/main" val="222399205"/>
+      </p:ext>
+    </p:extLst>
+  </p:cSld>
+  <p:clrMapOvr>
+    <a:masterClrMapping/>
+  </p:clrMapOvr>
+</p:sld>
+</file>
+
+<file path=ppt/slides/slide4.xml><?xml version="1.0" encoding="utf-8"?>
+<p:sld xmlns:a="http://schemas.openxmlformats.org/drawingml/2006/main" xmlns:r="http://schemas.openxmlformats.org/officeDocument/2006/relationships" xmlns:p="http://schemas.openxmlformats.org/presentationml/2006/main">
+  <p:cSld>
+    <p:spTree>
+      <p:nvGrpSpPr>
+        <p:cNvPr id="1" name=""/>
+        <p:cNvGrpSpPr/>
+        <p:nvPr/>
+      </p:nvGrpSpPr>
+      <p:grpSpPr>
+        <a:xfrm>
+          <a:off x="0" y="0"/>
+          <a:ext cx="0" cy="0"/>
+          <a:chOff x="0" y="0"/>
+          <a:chExt cx="0" cy="0"/>
+        </a:xfrm>
+      </p:grpSpPr>
       <p:sp>
         <p:nvSpPr>
           <p:cNvPr id="17" name="Right Arrow 16"/>
@@ -5670,7 +8324,7 @@
 </p:sld>
 </file>
 
-<file path=ppt/slides/slide4.xml><?xml version="1.0" encoding="utf-8"?>
+<file path=ppt/slides/slide5.xml><?xml version="1.0" encoding="utf-8"?>
 <p:sld xmlns:a="http://schemas.openxmlformats.org/drawingml/2006/main" xmlns:r="http://schemas.openxmlformats.org/officeDocument/2006/relationships" xmlns:p="http://schemas.openxmlformats.org/presentationml/2006/main">
   <p:cSld>
     <p:spTree>
@@ -9146,7 +11800,7 @@
 </p:sld>
 </file>
 
-<file path=ppt/slides/slide5.xml><?xml version="1.0" encoding="utf-8"?>
+<file path=ppt/slides/slide6.xml><?xml version="1.0" encoding="utf-8"?>
 <p:sld xmlns:a="http://schemas.openxmlformats.org/drawingml/2006/main" xmlns:r="http://schemas.openxmlformats.org/officeDocument/2006/relationships" xmlns:p="http://schemas.openxmlformats.org/presentationml/2006/main">
   <p:cSld>
     <p:spTree>
@@ -13727,7 +16381,7 @@
 </p:sld>
 </file>
 
-<file path=ppt/slides/slide6.xml><?xml version="1.0" encoding="utf-8"?>
+<file path=ppt/slides/slide7.xml><?xml version="1.0" encoding="utf-8"?>
 <p:sld xmlns:a="http://schemas.openxmlformats.org/drawingml/2006/main" xmlns:r="http://schemas.openxmlformats.org/officeDocument/2006/relationships" xmlns:p="http://schemas.openxmlformats.org/presentationml/2006/main">
   <p:cSld>
     <p:spTree>
@@ -14961,7 +17615,7 @@
 </p:sld>
 </file>
 
-<file path=ppt/slides/slide7.xml><?xml version="1.0" encoding="utf-8"?>
+<file path=ppt/slides/slide8.xml><?xml version="1.0" encoding="utf-8"?>
 <p:sld xmlns:a="http://schemas.openxmlformats.org/drawingml/2006/main" xmlns:r="http://schemas.openxmlformats.org/officeDocument/2006/relationships" xmlns:p="http://schemas.openxmlformats.org/presentationml/2006/main">
   <p:cSld>
     <p:spTree>
@@ -15161,7 +17815,7 @@
 </p:sld>
 </file>
 
-<file path=ppt/slides/slide8.xml><?xml version="1.0" encoding="utf-8"?>
+<file path=ppt/slides/slide9.xml><?xml version="1.0" encoding="utf-8"?>
 <p:sld xmlns:a="http://schemas.openxmlformats.org/drawingml/2006/main" xmlns:r="http://schemas.openxmlformats.org/officeDocument/2006/relationships" xmlns:p="http://schemas.openxmlformats.org/presentationml/2006/main">
   <p:cSld>
     <p:spTree>
@@ -17372,1213 +20026,6 @@
     <p:extLst>
       <p:ext uri="{BB962C8B-B14F-4D97-AF65-F5344CB8AC3E}">
         <p14:creationId xmlns:p14="http://schemas.microsoft.com/office/powerpoint/2010/main" val="2776930179"/>
-      </p:ext>
-    </p:extLst>
-  </p:cSld>
-  <p:clrMapOvr>
-    <a:masterClrMapping/>
-  </p:clrMapOvr>
-</p:sld>
-</file>
-
-<file path=ppt/slides/slide9.xml><?xml version="1.0" encoding="utf-8"?>
-<p:sld xmlns:a="http://schemas.openxmlformats.org/drawingml/2006/main" xmlns:r="http://schemas.openxmlformats.org/officeDocument/2006/relationships" xmlns:p="http://schemas.openxmlformats.org/presentationml/2006/main">
-  <p:cSld>
-    <p:spTree>
-      <p:nvGrpSpPr>
-        <p:cNvPr id="1" name=""/>
-        <p:cNvGrpSpPr/>
-        <p:nvPr/>
-      </p:nvGrpSpPr>
-      <p:grpSpPr>
-        <a:xfrm>
-          <a:off x="0" y="0"/>
-          <a:ext cx="0" cy="0"/>
-          <a:chOff x="0" y="0"/>
-          <a:chExt cx="0" cy="0"/>
-        </a:xfrm>
-      </p:grpSpPr>
-      <p:sp>
-        <p:nvSpPr>
-          <p:cNvPr id="23" name="Right Arrow 22"/>
-          <p:cNvSpPr/>
-          <p:nvPr/>
-        </p:nvSpPr>
-        <p:spPr>
-          <a:xfrm rot="5400000">
-            <a:off x="2656794" y="1188316"/>
-            <a:ext cx="366757" cy="138548"/>
-          </a:xfrm>
-          <a:prstGeom prst="rightArrow">
-            <a:avLst>
-              <a:gd name="adj1" fmla="val 50000"/>
-              <a:gd name="adj2" fmla="val 110606"/>
-            </a:avLst>
-          </a:prstGeom>
-          <a:solidFill>
-            <a:srgbClr val="FFC000"/>
-          </a:solidFill>
-          <a:ln>
-            <a:solidFill>
-              <a:schemeClr val="tx1"/>
-            </a:solidFill>
-          </a:ln>
-        </p:spPr>
-        <p:style>
-          <a:lnRef idx="2">
-            <a:schemeClr val="accent1">
-              <a:shade val="50000"/>
-            </a:schemeClr>
-          </a:lnRef>
-          <a:fillRef idx="1">
-            <a:schemeClr val="accent1"/>
-          </a:fillRef>
-          <a:effectRef idx="0">
-            <a:schemeClr val="accent1"/>
-          </a:effectRef>
-          <a:fontRef idx="minor">
-            <a:schemeClr val="lt1"/>
-          </a:fontRef>
-        </p:style>
-        <p:txBody>
-          <a:bodyPr rtlCol="0" anchor="ctr"/>
-          <a:lstStyle/>
-          <a:p>
-            <a:pPr algn="ctr"/>
-            <a:endParaRPr lang="en-US"/>
-          </a:p>
-        </p:txBody>
-      </p:sp>
-      <p:sp>
-        <p:nvSpPr>
-          <p:cNvPr id="19" name="Rectangle 18"/>
-          <p:cNvSpPr/>
-          <p:nvPr/>
-        </p:nvSpPr>
-        <p:spPr>
-          <a:xfrm>
-            <a:off x="734291" y="2426389"/>
-            <a:ext cx="3320474" cy="464592"/>
-          </a:xfrm>
-          <a:prstGeom prst="rect">
-            <a:avLst/>
-          </a:prstGeom>
-          <a:solidFill>
-            <a:schemeClr val="accent2">
-              <a:lumMod val="60000"/>
-              <a:lumOff val="40000"/>
-            </a:schemeClr>
-          </a:solidFill>
-          <a:ln>
-            <a:noFill/>
-          </a:ln>
-        </p:spPr>
-        <p:style>
-          <a:lnRef idx="2">
-            <a:schemeClr val="accent1">
-              <a:shade val="50000"/>
-            </a:schemeClr>
-          </a:lnRef>
-          <a:fillRef idx="1">
-            <a:schemeClr val="accent1"/>
-          </a:fillRef>
-          <a:effectRef idx="0">
-            <a:schemeClr val="accent1"/>
-          </a:effectRef>
-          <a:fontRef idx="minor">
-            <a:schemeClr val="lt1"/>
-          </a:fontRef>
-        </p:style>
-        <p:txBody>
-          <a:bodyPr rtlCol="0" anchor="ctr"/>
-          <a:lstStyle/>
-          <a:p>
-            <a:pPr algn="ctr"/>
-            <a:endParaRPr lang="en-US"/>
-          </a:p>
-        </p:txBody>
-      </p:sp>
-      <p:cxnSp>
-        <p:nvCxnSpPr>
-          <p:cNvPr id="3" name="Straight Arrow Connector 2"/>
-          <p:cNvCxnSpPr/>
-          <p:nvPr/>
-        </p:nvCxnSpPr>
-        <p:spPr>
-          <a:xfrm>
-            <a:off x="831273" y="2096655"/>
-            <a:ext cx="3223492" cy="0"/>
-          </a:xfrm>
-          <a:prstGeom prst="straightConnector1">
-            <a:avLst/>
-          </a:prstGeom>
-          <a:ln>
-            <a:solidFill>
-              <a:schemeClr val="tx1"/>
-            </a:solidFill>
-            <a:headEnd type="triangle" w="med" len="med"/>
-            <a:tailEnd type="triangle" w="med" len="med"/>
-          </a:ln>
-        </p:spPr>
-        <p:style>
-          <a:lnRef idx="1">
-            <a:schemeClr val="accent1"/>
-          </a:lnRef>
-          <a:fillRef idx="0">
-            <a:schemeClr val="accent1"/>
-          </a:fillRef>
-          <a:effectRef idx="0">
-            <a:schemeClr val="accent1"/>
-          </a:effectRef>
-          <a:fontRef idx="minor">
-            <a:schemeClr val="tx1"/>
-          </a:fontRef>
-        </p:style>
-      </p:cxnSp>
-      <p:sp>
-        <p:nvSpPr>
-          <p:cNvPr id="6" name="Rectangle 5"/>
-          <p:cNvSpPr/>
-          <p:nvPr/>
-        </p:nvSpPr>
-        <p:spPr>
-          <a:xfrm>
-            <a:off x="1971963" y="1921164"/>
-            <a:ext cx="794327" cy="378691"/>
-          </a:xfrm>
-          <a:prstGeom prst="rect">
-            <a:avLst/>
-          </a:prstGeom>
-          <a:solidFill>
-            <a:schemeClr val="bg1">
-              <a:lumMod val="85000"/>
-            </a:schemeClr>
-          </a:solidFill>
-          <a:ln>
-            <a:solidFill>
-              <a:schemeClr val="tx1"/>
-            </a:solidFill>
-          </a:ln>
-        </p:spPr>
-        <p:style>
-          <a:lnRef idx="2">
-            <a:schemeClr val="accent1">
-              <a:shade val="50000"/>
-            </a:schemeClr>
-          </a:lnRef>
-          <a:fillRef idx="1">
-            <a:schemeClr val="accent1"/>
-          </a:fillRef>
-          <a:effectRef idx="0">
-            <a:schemeClr val="accent1"/>
-          </a:effectRef>
-          <a:fontRef idx="minor">
-            <a:schemeClr val="lt1"/>
-          </a:fontRef>
-        </p:style>
-        <p:txBody>
-          <a:bodyPr rtlCol="0" anchor="ctr"/>
-          <a:lstStyle/>
-          <a:p>
-            <a:pPr algn="ctr"/>
-            <a:endParaRPr lang="en-US"/>
-          </a:p>
-        </p:txBody>
-      </p:sp>
-      <p:sp>
-        <p:nvSpPr>
-          <p:cNvPr id="4" name="Oval 3"/>
-          <p:cNvSpPr/>
-          <p:nvPr/>
-        </p:nvSpPr>
-        <p:spPr>
-          <a:xfrm>
-            <a:off x="2036617" y="2235200"/>
-            <a:ext cx="175491" cy="175491"/>
-          </a:xfrm>
-          <a:prstGeom prst="ellipse">
-            <a:avLst/>
-          </a:prstGeom>
-          <a:solidFill>
-            <a:schemeClr val="tx1">
-              <a:lumMod val="75000"/>
-              <a:lumOff val="25000"/>
-            </a:schemeClr>
-          </a:solidFill>
-          <a:ln w="28575">
-            <a:solidFill>
-              <a:schemeClr val="tx1"/>
-            </a:solidFill>
-          </a:ln>
-        </p:spPr>
-        <p:style>
-          <a:lnRef idx="2">
-            <a:schemeClr val="accent1">
-              <a:shade val="50000"/>
-            </a:schemeClr>
-          </a:lnRef>
-          <a:fillRef idx="1">
-            <a:schemeClr val="accent1"/>
-          </a:fillRef>
-          <a:effectRef idx="0">
-            <a:schemeClr val="accent1"/>
-          </a:effectRef>
-          <a:fontRef idx="minor">
-            <a:schemeClr val="lt1"/>
-          </a:fontRef>
-        </p:style>
-        <p:txBody>
-          <a:bodyPr rtlCol="0" anchor="ctr"/>
-          <a:lstStyle/>
-          <a:p>
-            <a:pPr algn="ctr"/>
-            <a:endParaRPr lang="en-US"/>
-          </a:p>
-        </p:txBody>
-      </p:sp>
-      <p:sp>
-        <p:nvSpPr>
-          <p:cNvPr id="5" name="Oval 4"/>
-          <p:cNvSpPr/>
-          <p:nvPr/>
-        </p:nvSpPr>
-        <p:spPr>
-          <a:xfrm>
-            <a:off x="2498435" y="2235200"/>
-            <a:ext cx="175491" cy="175491"/>
-          </a:xfrm>
-          <a:prstGeom prst="ellipse">
-            <a:avLst/>
-          </a:prstGeom>
-          <a:solidFill>
-            <a:schemeClr val="tx1">
-              <a:lumMod val="75000"/>
-              <a:lumOff val="25000"/>
-            </a:schemeClr>
-          </a:solidFill>
-          <a:ln w="28575">
-            <a:solidFill>
-              <a:schemeClr val="tx1"/>
-            </a:solidFill>
-          </a:ln>
-        </p:spPr>
-        <p:style>
-          <a:lnRef idx="2">
-            <a:schemeClr val="accent1">
-              <a:shade val="50000"/>
-            </a:schemeClr>
-          </a:lnRef>
-          <a:fillRef idx="1">
-            <a:schemeClr val="accent1"/>
-          </a:fillRef>
-          <a:effectRef idx="0">
-            <a:schemeClr val="accent1"/>
-          </a:effectRef>
-          <a:fontRef idx="minor">
-            <a:schemeClr val="lt1"/>
-          </a:fontRef>
-        </p:style>
-        <p:txBody>
-          <a:bodyPr rtlCol="0" anchor="ctr"/>
-          <a:lstStyle/>
-          <a:p>
-            <a:pPr algn="ctr"/>
-            <a:endParaRPr lang="en-US"/>
-          </a:p>
-        </p:txBody>
-      </p:sp>
-      <p:sp>
-        <p:nvSpPr>
-          <p:cNvPr id="8" name="TextBox 7"/>
-          <p:cNvSpPr txBox="1"/>
-          <p:nvPr/>
-        </p:nvSpPr>
-        <p:spPr>
-          <a:xfrm>
-            <a:off x="2369125" y="1939775"/>
-            <a:ext cx="471054" cy="276999"/>
-          </a:xfrm>
-          <a:prstGeom prst="rect">
-            <a:avLst/>
-          </a:prstGeom>
-          <a:noFill/>
-        </p:spPr>
-        <p:txBody>
-          <a:bodyPr wrap="square" rtlCol="0">
-            <a:spAutoFit/>
-          </a:bodyPr>
-          <a:lstStyle/>
-          <a:p>
-            <a:r>
-              <a:rPr lang="en-US" sz="1200" i="1" dirty="0" smtClean="0"/>
-              <a:t>m</a:t>
-            </a:r>
-            <a:r>
-              <a:rPr lang="en-US" sz="1200" baseline="-25000" dirty="0" smtClean="0"/>
-              <a:t>1</a:t>
-            </a:r>
-            <a:endParaRPr lang="en-US" sz="1200" baseline="-25000" dirty="0"/>
-          </a:p>
-        </p:txBody>
-      </p:sp>
-      <mc:AlternateContent xmlns:mc="http://schemas.openxmlformats.org/markup-compatibility/2006" xmlns:a14="http://schemas.microsoft.com/office/drawing/2010/main">
-        <mc:Choice Requires="a14">
-          <p:sp>
-            <p:nvSpPr>
-              <p:cNvPr id="9" name="TextBox 8"/>
-              <p:cNvSpPr txBox="1"/>
-              <p:nvPr/>
-            </p:nvSpPr>
-            <p:spPr>
-              <a:xfrm>
-                <a:off x="1394690" y="1401471"/>
-                <a:ext cx="729672" cy="272767"/>
-              </a:xfrm>
-              <a:prstGeom prst="rect">
-                <a:avLst/>
-              </a:prstGeom>
-              <a:noFill/>
-            </p:spPr>
-            <p:txBody>
-              <a:bodyPr wrap="square" rtlCol="0">
-                <a:spAutoFit/>
-              </a:bodyPr>
-              <a:lstStyle/>
-              <a:p>
-                <a:pPr/>
-                <a14:m>
-                  <m:oMathPara xmlns:m="http://schemas.openxmlformats.org/officeDocument/2006/math">
-                    <m:oMathParaPr>
-                      <m:jc m:val="centerGroup"/>
-                    </m:oMathParaPr>
-                    <m:oMath xmlns:m="http://schemas.openxmlformats.org/officeDocument/2006/math">
-                      <m:r>
-                        <a:rPr lang="en-US" sz="1200" i="1" dirty="0" smtClean="0">
-                          <a:latin typeface="Cambria Math" panose="02040503050406030204" pitchFamily="18" charset="0"/>
-                        </a:rPr>
-                        <m:t>𝑥</m:t>
-                      </m:r>
-                      <m:r>
-                        <a:rPr lang="en-US" sz="1200" i="1" dirty="0" smtClean="0">
-                          <a:latin typeface="Cambria Math" panose="02040503050406030204" pitchFamily="18" charset="0"/>
-                        </a:rPr>
-                        <m:t>=</m:t>
-                      </m:r>
-                      <m:sSub>
-                        <m:sSubPr>
-                          <m:ctrlPr>
-                            <a:rPr lang="en-US" sz="1200" b="0" i="1" dirty="0" smtClean="0">
-                              <a:latin typeface="Cambria Math" panose="02040503050406030204" pitchFamily="18" charset="0"/>
-                            </a:rPr>
-                          </m:ctrlPr>
-                        </m:sSubPr>
-                        <m:e>
-                          <m:r>
-                            <a:rPr lang="en-US" sz="1200" i="1" dirty="0" smtClean="0">
-                              <a:latin typeface="Cambria Math" panose="02040503050406030204" pitchFamily="18" charset="0"/>
-                            </a:rPr>
-                            <m:t>𝑞</m:t>
-                          </m:r>
-                        </m:e>
-                        <m:sub>
-                          <m:r>
-                            <a:rPr lang="en-US" sz="1200" b="0" i="1" dirty="0" smtClean="0">
-                              <a:latin typeface="Cambria Math" panose="02040503050406030204" pitchFamily="18" charset="0"/>
-                            </a:rPr>
-                            <m:t>1</m:t>
-                          </m:r>
-                        </m:sub>
-                      </m:sSub>
-                    </m:oMath>
-                  </m:oMathPara>
-                </a14:m>
-                <a:endParaRPr lang="en-US" sz="1200" baseline="-25000" dirty="0"/>
-              </a:p>
-            </p:txBody>
-          </p:sp>
-        </mc:Choice>
-        <mc:Fallback xmlns="">
-          <p:sp>
-            <p:nvSpPr>
-              <p:cNvPr id="9" name="TextBox 8"/>
-              <p:cNvSpPr txBox="1">
-                <a:spLocks noRot="1" noChangeAspect="1" noMove="1" noResize="1" noEditPoints="1" noAdjustHandles="1" noChangeArrowheads="1" noChangeShapeType="1" noTextEdit="1"/>
-              </p:cNvSpPr>
-              <p:nvPr/>
-            </p:nvSpPr>
-            <p:spPr>
-              <a:xfrm>
-                <a:off x="1394690" y="1401471"/>
-                <a:ext cx="729672" cy="272767"/>
-              </a:xfrm>
-              <a:prstGeom prst="rect">
-                <a:avLst/>
-              </a:prstGeom>
-              <a:blipFill>
-                <a:blip r:embed="rId2"/>
-                <a:stretch>
-                  <a:fillRect/>
-                </a:stretch>
-              </a:blipFill>
-            </p:spPr>
-            <p:txBody>
-              <a:bodyPr/>
-              <a:lstStyle/>
-              <a:p>
-                <a:r>
-                  <a:rPr lang="en-US">
-                    <a:noFill/>
-                  </a:rPr>
-                  <a:t> </a:t>
-                </a:r>
-              </a:p>
-            </p:txBody>
-          </p:sp>
-        </mc:Fallback>
-      </mc:AlternateContent>
-      <mc:AlternateContent xmlns:mc="http://schemas.openxmlformats.org/markup-compatibility/2006" xmlns:a14="http://schemas.microsoft.com/office/drawing/2010/main">
-        <mc:Choice Requires="a14">
-          <p:sp>
-            <p:nvSpPr>
-              <p:cNvPr id="10" name="TextBox 9"/>
-              <p:cNvSpPr txBox="1"/>
-              <p:nvPr/>
-            </p:nvSpPr>
-            <p:spPr>
-              <a:xfrm>
-                <a:off x="2812471" y="886889"/>
-                <a:ext cx="471054" cy="276999"/>
-              </a:xfrm>
-              <a:prstGeom prst="rect">
-                <a:avLst/>
-              </a:prstGeom>
-              <a:noFill/>
-            </p:spPr>
-            <p:txBody>
-              <a:bodyPr wrap="square" rtlCol="0">
-                <a:spAutoFit/>
-              </a:bodyPr>
-              <a:lstStyle/>
-              <a:p>
-                <a:pPr/>
-                <a14:m>
-                  <m:oMathPara xmlns:m="http://schemas.openxmlformats.org/officeDocument/2006/math">
-                    <m:oMathParaPr>
-                      <m:jc m:val="centerGroup"/>
-                    </m:oMathParaPr>
-                    <m:oMath xmlns:m="http://schemas.openxmlformats.org/officeDocument/2006/math">
-                      <m:sSub>
-                        <m:sSubPr>
-                          <m:ctrlPr>
-                            <a:rPr lang="en-US" sz="1200" b="0" i="1" dirty="0" smtClean="0">
-                              <a:latin typeface="Cambria Math" panose="02040503050406030204" pitchFamily="18" charset="0"/>
-                            </a:rPr>
-                          </m:ctrlPr>
-                        </m:sSubPr>
-                        <m:e>
-                          <m:r>
-                            <a:rPr lang="en-US" sz="1200" i="1" dirty="0" smtClean="0">
-                              <a:latin typeface="Cambria Math" panose="02040503050406030204" pitchFamily="18" charset="0"/>
-                            </a:rPr>
-                            <m:t>𝑚</m:t>
-                          </m:r>
-                        </m:e>
-                        <m:sub>
-                          <m:r>
-                            <a:rPr lang="en-US" sz="1200" b="0" i="1" dirty="0" smtClean="0">
-                              <a:latin typeface="Cambria Math" panose="02040503050406030204" pitchFamily="18" charset="0"/>
-                            </a:rPr>
-                            <m:t>2</m:t>
-                          </m:r>
-                        </m:sub>
-                      </m:sSub>
-                    </m:oMath>
-                  </m:oMathPara>
-                </a14:m>
-                <a:endParaRPr lang="en-US" sz="1200" baseline="-25000" dirty="0"/>
-              </a:p>
-            </p:txBody>
-          </p:sp>
-        </mc:Choice>
-        <mc:Fallback xmlns="">
-          <p:sp>
-            <p:nvSpPr>
-              <p:cNvPr id="10" name="TextBox 9"/>
-              <p:cNvSpPr txBox="1">
-                <a:spLocks noRot="1" noChangeAspect="1" noMove="1" noResize="1" noEditPoints="1" noAdjustHandles="1" noChangeArrowheads="1" noChangeShapeType="1" noTextEdit="1"/>
-              </p:cNvSpPr>
-              <p:nvPr/>
-            </p:nvSpPr>
-            <p:spPr>
-              <a:xfrm>
-                <a:off x="2812471" y="886889"/>
-                <a:ext cx="471054" cy="276999"/>
-              </a:xfrm>
-              <a:prstGeom prst="rect">
-                <a:avLst/>
-              </a:prstGeom>
-              <a:blipFill>
-                <a:blip r:embed="rId3"/>
-                <a:stretch>
-                  <a:fillRect/>
-                </a:stretch>
-              </a:blipFill>
-            </p:spPr>
-            <p:txBody>
-              <a:bodyPr/>
-              <a:lstStyle/>
-              <a:p>
-                <a:r>
-                  <a:rPr lang="en-US">
-                    <a:noFill/>
-                  </a:rPr>
-                  <a:t> </a:t>
-                </a:r>
-              </a:p>
-            </p:txBody>
-          </p:sp>
-        </mc:Fallback>
-      </mc:AlternateContent>
-      <p:cxnSp>
-        <p:nvCxnSpPr>
-          <p:cNvPr id="12" name="Straight Connector 11"/>
-          <p:cNvCxnSpPr>
-            <a:stCxn id="8" idx="1"/>
-          </p:cNvCxnSpPr>
-          <p:nvPr/>
-        </p:nvCxnSpPr>
-        <p:spPr>
-          <a:xfrm flipV="1">
-            <a:off x="2369125" y="1062274"/>
-            <a:ext cx="471054" cy="1016001"/>
-          </a:xfrm>
-          <a:prstGeom prst="line">
-            <a:avLst/>
-          </a:prstGeom>
-          <a:ln w="38100">
-            <a:solidFill>
-              <a:schemeClr val="tx1"/>
-            </a:solidFill>
-          </a:ln>
-        </p:spPr>
-        <p:style>
-          <a:lnRef idx="1">
-            <a:schemeClr val="accent1"/>
-          </a:lnRef>
-          <a:fillRef idx="0">
-            <a:schemeClr val="accent1"/>
-          </a:fillRef>
-          <a:effectRef idx="0">
-            <a:schemeClr val="accent1"/>
-          </a:effectRef>
-          <a:fontRef idx="minor">
-            <a:schemeClr val="tx1"/>
-          </a:fontRef>
-        </p:style>
-      </p:cxnSp>
-      <p:sp>
-        <p:nvSpPr>
-          <p:cNvPr id="7" name="Oval 6"/>
-          <p:cNvSpPr/>
-          <p:nvPr/>
-        </p:nvSpPr>
-        <p:spPr>
-          <a:xfrm>
-            <a:off x="2313707" y="2041236"/>
-            <a:ext cx="110837" cy="110837"/>
-          </a:xfrm>
-          <a:prstGeom prst="ellipse">
-            <a:avLst/>
-          </a:prstGeom>
-          <a:solidFill>
-            <a:srgbClr val="FF0000"/>
-          </a:solidFill>
-          <a:ln>
-            <a:solidFill>
-              <a:schemeClr val="tx1"/>
-            </a:solidFill>
-          </a:ln>
-        </p:spPr>
-        <p:style>
-          <a:lnRef idx="2">
-            <a:schemeClr val="accent1">
-              <a:shade val="50000"/>
-            </a:schemeClr>
-          </a:lnRef>
-          <a:fillRef idx="1">
-            <a:schemeClr val="accent1"/>
-          </a:fillRef>
-          <a:effectRef idx="0">
-            <a:schemeClr val="accent1"/>
-          </a:effectRef>
-          <a:fontRef idx="minor">
-            <a:schemeClr val="lt1"/>
-          </a:fontRef>
-        </p:style>
-        <p:txBody>
-          <a:bodyPr rtlCol="0" anchor="ctr"/>
-          <a:lstStyle/>
-          <a:p>
-            <a:pPr algn="ctr"/>
-            <a:endParaRPr lang="en-US"/>
-          </a:p>
-        </p:txBody>
-      </p:sp>
-      <p:sp>
-        <p:nvSpPr>
-          <p:cNvPr id="13" name="Oval 12"/>
-          <p:cNvSpPr/>
-          <p:nvPr/>
-        </p:nvSpPr>
-        <p:spPr>
-          <a:xfrm>
-            <a:off x="2780141" y="1006857"/>
-            <a:ext cx="110837" cy="110837"/>
-          </a:xfrm>
-          <a:prstGeom prst="ellipse">
-            <a:avLst/>
-          </a:prstGeom>
-          <a:solidFill>
-            <a:srgbClr val="FF0000"/>
-          </a:solidFill>
-          <a:ln>
-            <a:solidFill>
-              <a:schemeClr val="tx1"/>
-            </a:solidFill>
-          </a:ln>
-        </p:spPr>
-        <p:style>
-          <a:lnRef idx="2">
-            <a:schemeClr val="accent1">
-              <a:shade val="50000"/>
-            </a:schemeClr>
-          </a:lnRef>
-          <a:fillRef idx="1">
-            <a:schemeClr val="accent1"/>
-          </a:fillRef>
-          <a:effectRef idx="0">
-            <a:schemeClr val="accent1"/>
-          </a:effectRef>
-          <a:fontRef idx="minor">
-            <a:schemeClr val="lt1"/>
-          </a:fontRef>
-        </p:style>
-        <p:txBody>
-          <a:bodyPr rtlCol="0" anchor="ctr"/>
-          <a:lstStyle/>
-          <a:p>
-            <a:pPr algn="ctr"/>
-            <a:endParaRPr lang="en-US"/>
-          </a:p>
-        </p:txBody>
-      </p:sp>
-      <p:sp>
-        <p:nvSpPr>
-          <p:cNvPr id="14" name="Arc 13"/>
-          <p:cNvSpPr/>
-          <p:nvPr/>
-        </p:nvSpPr>
-        <p:spPr>
-          <a:xfrm>
-            <a:off x="1602507" y="1330036"/>
-            <a:ext cx="1533236" cy="1533236"/>
-          </a:xfrm>
-          <a:prstGeom prst="arc">
-            <a:avLst>
-              <a:gd name="adj1" fmla="val 17620233"/>
-              <a:gd name="adj2" fmla="val 0"/>
-            </a:avLst>
-          </a:prstGeom>
-          <a:ln>
-            <a:solidFill>
-              <a:schemeClr val="tx1"/>
-            </a:solidFill>
-            <a:prstDash val="dash"/>
-          </a:ln>
-        </p:spPr>
-        <p:style>
-          <a:lnRef idx="1">
-            <a:schemeClr val="accent1"/>
-          </a:lnRef>
-          <a:fillRef idx="0">
-            <a:schemeClr val="accent1"/>
-          </a:fillRef>
-          <a:effectRef idx="0">
-            <a:schemeClr val="accent1"/>
-          </a:effectRef>
-          <a:fontRef idx="minor">
-            <a:schemeClr val="tx1"/>
-          </a:fontRef>
-        </p:style>
-        <p:txBody>
-          <a:bodyPr rtlCol="0" anchor="ctr"/>
-          <a:lstStyle/>
-          <a:p>
-            <a:pPr algn="ctr"/>
-            <a:endParaRPr lang="en-US"/>
-          </a:p>
-        </p:txBody>
-      </p:sp>
-      <mc:AlternateContent xmlns:mc="http://schemas.openxmlformats.org/markup-compatibility/2006" xmlns:a14="http://schemas.microsoft.com/office/drawing/2010/main">
-        <mc:Choice Requires="a14">
-          <p:sp>
-            <p:nvSpPr>
-              <p:cNvPr id="15" name="TextBox 14"/>
-              <p:cNvSpPr txBox="1"/>
-              <p:nvPr/>
-            </p:nvSpPr>
-            <p:spPr>
-              <a:xfrm>
-                <a:off x="3047998" y="1692666"/>
-                <a:ext cx="729672" cy="272767"/>
-              </a:xfrm>
-              <a:prstGeom prst="rect">
-                <a:avLst/>
-              </a:prstGeom>
-              <a:noFill/>
-            </p:spPr>
-            <p:txBody>
-              <a:bodyPr wrap="square" rtlCol="0">
-                <a:spAutoFit/>
-              </a:bodyPr>
-              <a:lstStyle/>
-              <a:p>
-                <a:pPr/>
-                <a14:m>
-                  <m:oMathPara xmlns:m="http://schemas.openxmlformats.org/officeDocument/2006/math">
-                    <m:oMathParaPr>
-                      <m:jc m:val="centerGroup"/>
-                    </m:oMathParaPr>
-                    <m:oMath xmlns:m="http://schemas.openxmlformats.org/officeDocument/2006/math">
-                      <m:r>
-                        <a:rPr lang="en-US" sz="1200" b="0" i="1" dirty="0" smtClean="0">
-                          <a:latin typeface="Cambria Math" panose="02040503050406030204" pitchFamily="18" charset="0"/>
-                        </a:rPr>
-                        <m:t>𝜃</m:t>
-                      </m:r>
-                      <m:r>
-                        <a:rPr lang="en-US" sz="1200" i="1" dirty="0" smtClean="0">
-                          <a:latin typeface="Cambria Math" panose="02040503050406030204" pitchFamily="18" charset="0"/>
-                        </a:rPr>
-                        <m:t>=</m:t>
-                      </m:r>
-                      <m:sSub>
-                        <m:sSubPr>
-                          <m:ctrlPr>
-                            <a:rPr lang="en-US" sz="1200" b="0" i="1" dirty="0" smtClean="0">
-                              <a:latin typeface="Cambria Math" panose="02040503050406030204" pitchFamily="18" charset="0"/>
-                            </a:rPr>
-                          </m:ctrlPr>
-                        </m:sSubPr>
-                        <m:e>
-                          <m:r>
-                            <a:rPr lang="en-US" sz="1200" b="0" i="1" dirty="0" smtClean="0">
-                              <a:latin typeface="Cambria Math" panose="02040503050406030204" pitchFamily="18" charset="0"/>
-                            </a:rPr>
-                            <m:t>𝑞</m:t>
-                          </m:r>
-                        </m:e>
-                        <m:sub>
-                          <m:r>
-                            <a:rPr lang="en-US" sz="1200" b="0" i="1" dirty="0" smtClean="0">
-                              <a:latin typeface="Cambria Math" panose="02040503050406030204" pitchFamily="18" charset="0"/>
-                            </a:rPr>
-                            <m:t>1</m:t>
-                          </m:r>
-                        </m:sub>
-                      </m:sSub>
-                    </m:oMath>
-                  </m:oMathPara>
-                </a14:m>
-                <a:endParaRPr lang="en-US" sz="1200" baseline="-25000" dirty="0"/>
-              </a:p>
-            </p:txBody>
-          </p:sp>
-        </mc:Choice>
-        <mc:Fallback xmlns="">
-          <p:sp>
-            <p:nvSpPr>
-              <p:cNvPr id="15" name="TextBox 14"/>
-              <p:cNvSpPr txBox="1">
-                <a:spLocks noRot="1" noChangeAspect="1" noMove="1" noResize="1" noEditPoints="1" noAdjustHandles="1" noChangeArrowheads="1" noChangeShapeType="1" noTextEdit="1"/>
-              </p:cNvSpPr>
-              <p:nvPr/>
-            </p:nvSpPr>
-            <p:spPr>
-              <a:xfrm>
-                <a:off x="3047998" y="1692666"/>
-                <a:ext cx="729672" cy="272767"/>
-              </a:xfrm>
-              <a:prstGeom prst="rect">
-                <a:avLst/>
-              </a:prstGeom>
-              <a:blipFill>
-                <a:blip r:embed="rId4"/>
-                <a:stretch>
-                  <a:fillRect b="-2273"/>
-                </a:stretch>
-              </a:blipFill>
-            </p:spPr>
-            <p:txBody>
-              <a:bodyPr/>
-              <a:lstStyle/>
-              <a:p>
-                <a:r>
-                  <a:rPr lang="en-US">
-                    <a:noFill/>
-                  </a:rPr>
-                  <a:t> </a:t>
-                </a:r>
-              </a:p>
-            </p:txBody>
-          </p:sp>
-        </mc:Fallback>
-      </mc:AlternateContent>
-      <p:cxnSp>
-        <p:nvCxnSpPr>
-          <p:cNvPr id="17" name="Straight Connector 16"/>
-          <p:cNvCxnSpPr/>
-          <p:nvPr/>
-        </p:nvCxnSpPr>
-        <p:spPr>
-          <a:xfrm>
-            <a:off x="1089892" y="2008885"/>
-            <a:ext cx="0" cy="175538"/>
-          </a:xfrm>
-          <a:prstGeom prst="line">
-            <a:avLst/>
-          </a:prstGeom>
-          <a:ln>
-            <a:solidFill>
-              <a:schemeClr val="tx1"/>
-            </a:solidFill>
-          </a:ln>
-        </p:spPr>
-        <p:style>
-          <a:lnRef idx="1">
-            <a:schemeClr val="accent1"/>
-          </a:lnRef>
-          <a:fillRef idx="0">
-            <a:schemeClr val="accent1"/>
-          </a:fillRef>
-          <a:effectRef idx="0">
-            <a:schemeClr val="accent1"/>
-          </a:effectRef>
-          <a:fontRef idx="minor">
-            <a:schemeClr val="tx1"/>
-          </a:fontRef>
-        </p:style>
-      </p:cxnSp>
-      <p:sp>
-        <p:nvSpPr>
-          <p:cNvPr id="18" name="Left Brace 17"/>
-          <p:cNvSpPr/>
-          <p:nvPr/>
-        </p:nvSpPr>
-        <p:spPr>
-          <a:xfrm rot="16200000" flipH="1" flipV="1">
-            <a:off x="1620992" y="1161567"/>
-            <a:ext cx="217033" cy="1279232"/>
-          </a:xfrm>
-          <a:prstGeom prst="leftBrace">
-            <a:avLst>
-              <a:gd name="adj1" fmla="val 42708"/>
-              <a:gd name="adj2" fmla="val 50000"/>
-            </a:avLst>
-          </a:prstGeom>
-          <a:ln>
-            <a:solidFill>
-              <a:schemeClr val="tx1"/>
-            </a:solidFill>
-          </a:ln>
-        </p:spPr>
-        <p:style>
-          <a:lnRef idx="1">
-            <a:schemeClr val="accent1"/>
-          </a:lnRef>
-          <a:fillRef idx="0">
-            <a:schemeClr val="accent1"/>
-          </a:fillRef>
-          <a:effectRef idx="0">
-            <a:schemeClr val="accent1"/>
-          </a:effectRef>
-          <a:fontRef idx="minor">
-            <a:schemeClr val="tx1"/>
-          </a:fontRef>
-        </p:style>
-        <p:txBody>
-          <a:bodyPr rtlCol="0" anchor="ctr"/>
-          <a:lstStyle/>
-          <a:p>
-            <a:pPr algn="ctr"/>
-            <a:endParaRPr lang="en-US"/>
-          </a:p>
-        </p:txBody>
-      </p:sp>
-      <p:sp>
-        <p:nvSpPr>
-          <p:cNvPr id="20" name="Right Arrow 19"/>
-          <p:cNvSpPr/>
-          <p:nvPr/>
-        </p:nvSpPr>
-        <p:spPr>
-          <a:xfrm>
-            <a:off x="2844794" y="2163131"/>
-            <a:ext cx="563423" cy="175491"/>
-          </a:xfrm>
-          <a:prstGeom prst="rightArrow">
-            <a:avLst/>
-          </a:prstGeom>
-          <a:solidFill>
-            <a:srgbClr val="FFFF00"/>
-          </a:solidFill>
-          <a:ln>
-            <a:solidFill>
-              <a:schemeClr val="tx1"/>
-            </a:solidFill>
-          </a:ln>
-        </p:spPr>
-        <p:style>
-          <a:lnRef idx="2">
-            <a:schemeClr val="accent1">
-              <a:shade val="50000"/>
-            </a:schemeClr>
-          </a:lnRef>
-          <a:fillRef idx="1">
-            <a:schemeClr val="accent1"/>
-          </a:fillRef>
-          <a:effectRef idx="0">
-            <a:schemeClr val="accent1"/>
-          </a:effectRef>
-          <a:fontRef idx="minor">
-            <a:schemeClr val="lt1"/>
-          </a:fontRef>
-        </p:style>
-        <p:txBody>
-          <a:bodyPr rtlCol="0" anchor="ctr"/>
-          <a:lstStyle/>
-          <a:p>
-            <a:pPr algn="ctr"/>
-            <a:endParaRPr lang="en-US"/>
-          </a:p>
-        </p:txBody>
-      </p:sp>
-      <mc:AlternateContent xmlns:mc="http://schemas.openxmlformats.org/markup-compatibility/2006" xmlns:a14="http://schemas.microsoft.com/office/drawing/2010/main">
-        <mc:Choice Requires="a14">
-          <p:sp>
-            <p:nvSpPr>
-              <p:cNvPr id="21" name="TextBox 20"/>
-              <p:cNvSpPr txBox="1"/>
-              <p:nvPr/>
-            </p:nvSpPr>
-            <p:spPr>
-              <a:xfrm>
-                <a:off x="3214249" y="2069838"/>
-                <a:ext cx="729672" cy="272767"/>
-              </a:xfrm>
-              <a:prstGeom prst="rect">
-                <a:avLst/>
-              </a:prstGeom>
-              <a:noFill/>
-            </p:spPr>
-            <p:txBody>
-              <a:bodyPr wrap="square" rtlCol="0">
-                <a:spAutoFit/>
-              </a:bodyPr>
-              <a:lstStyle/>
-              <a:p>
-                <a:pPr/>
-                <a14:m>
-                  <m:oMathPara xmlns:m="http://schemas.openxmlformats.org/officeDocument/2006/math">
-                    <m:oMathParaPr>
-                      <m:jc m:val="centerGroup"/>
-                    </m:oMathParaPr>
-                    <m:oMath xmlns:m="http://schemas.openxmlformats.org/officeDocument/2006/math">
-                      <m:sSub>
-                        <m:sSubPr>
-                          <m:ctrlPr>
-                            <a:rPr lang="en-US" sz="1200" b="0" i="1" dirty="0" smtClean="0">
-                              <a:latin typeface="Cambria Math" panose="02040503050406030204" pitchFamily="18" charset="0"/>
-                            </a:rPr>
-                          </m:ctrlPr>
-                        </m:sSubPr>
-                        <m:e>
-                          <m:r>
-                            <a:rPr lang="en-US" sz="1200" b="0" i="1" dirty="0" smtClean="0">
-                              <a:latin typeface="Cambria Math" panose="02040503050406030204" pitchFamily="18" charset="0"/>
-                            </a:rPr>
-                            <m:t>𝑢</m:t>
-                          </m:r>
-                        </m:e>
-                        <m:sub>
-                          <m:r>
-                            <a:rPr lang="en-US" sz="1200" b="0" i="1" dirty="0" smtClean="0">
-                              <a:latin typeface="Cambria Math" panose="02040503050406030204" pitchFamily="18" charset="0"/>
-                            </a:rPr>
-                            <m:t>1</m:t>
-                          </m:r>
-                        </m:sub>
-                      </m:sSub>
-                    </m:oMath>
-                  </m:oMathPara>
-                </a14:m>
-                <a:endParaRPr lang="en-US" sz="1200" baseline="-25000" dirty="0"/>
-              </a:p>
-            </p:txBody>
-          </p:sp>
-        </mc:Choice>
-        <mc:Fallback xmlns="">
-          <p:sp>
-            <p:nvSpPr>
-              <p:cNvPr id="21" name="TextBox 20"/>
-              <p:cNvSpPr txBox="1">
-                <a:spLocks noRot="1" noChangeAspect="1" noMove="1" noResize="1" noEditPoints="1" noAdjustHandles="1" noChangeArrowheads="1" noChangeShapeType="1" noTextEdit="1"/>
-              </p:cNvSpPr>
-              <p:nvPr/>
-            </p:nvSpPr>
-            <p:spPr>
-              <a:xfrm>
-                <a:off x="3214249" y="2069838"/>
-                <a:ext cx="729672" cy="272767"/>
-              </a:xfrm>
-              <a:prstGeom prst="rect">
-                <a:avLst/>
-              </a:prstGeom>
-              <a:blipFill>
-                <a:blip r:embed="rId5"/>
-                <a:stretch>
-                  <a:fillRect/>
-                </a:stretch>
-              </a:blipFill>
-            </p:spPr>
-            <p:txBody>
-              <a:bodyPr/>
-              <a:lstStyle/>
-              <a:p>
-                <a:r>
-                  <a:rPr lang="en-US">
-                    <a:noFill/>
-                  </a:rPr>
-                  <a:t> </a:t>
-                </a:r>
-              </a:p>
-            </p:txBody>
-          </p:sp>
-        </mc:Fallback>
-      </mc:AlternateContent>
-      <mc:AlternateContent xmlns:mc="http://schemas.openxmlformats.org/markup-compatibility/2006" xmlns:a14="http://schemas.microsoft.com/office/drawing/2010/main">
-        <mc:Choice Requires="a14">
-          <p:sp>
-            <p:nvSpPr>
-              <p:cNvPr id="24" name="TextBox 23"/>
-              <p:cNvSpPr txBox="1"/>
-              <p:nvPr/>
-            </p:nvSpPr>
-            <p:spPr>
-              <a:xfrm>
-                <a:off x="2860959" y="1212343"/>
-                <a:ext cx="471054" cy="276999"/>
-              </a:xfrm>
-              <a:prstGeom prst="rect">
-                <a:avLst/>
-              </a:prstGeom>
-              <a:noFill/>
-            </p:spPr>
-            <p:txBody>
-              <a:bodyPr wrap="square" rtlCol="0">
-                <a:spAutoFit/>
-              </a:bodyPr>
-              <a:lstStyle/>
-              <a:p>
-                <a:pPr/>
-                <a14:m>
-                  <m:oMathPara xmlns:m="http://schemas.openxmlformats.org/officeDocument/2006/math">
-                    <m:oMathParaPr>
-                      <m:jc m:val="centerGroup"/>
-                    </m:oMathParaPr>
-                    <m:oMath xmlns:m="http://schemas.openxmlformats.org/officeDocument/2006/math">
-                      <m:sSub>
-                        <m:sSubPr>
-                          <m:ctrlPr>
-                            <a:rPr lang="en-US" sz="1200" b="0" i="1" dirty="0" smtClean="0">
-                              <a:latin typeface="Cambria Math" panose="02040503050406030204" pitchFamily="18" charset="0"/>
-                            </a:rPr>
-                          </m:ctrlPr>
-                        </m:sSubPr>
-                        <m:e>
-                          <m:r>
-                            <a:rPr lang="en-US" sz="1200" i="1" dirty="0" smtClean="0">
-                              <a:latin typeface="Cambria Math" panose="02040503050406030204" pitchFamily="18" charset="0"/>
-                            </a:rPr>
-                            <m:t>𝑚</m:t>
-                          </m:r>
-                        </m:e>
-                        <m:sub>
-                          <m:r>
-                            <a:rPr lang="en-US" sz="1200" b="0" i="1" dirty="0" smtClean="0">
-                              <a:latin typeface="Cambria Math" panose="02040503050406030204" pitchFamily="18" charset="0"/>
-                            </a:rPr>
-                            <m:t>2</m:t>
-                          </m:r>
-                        </m:sub>
-                      </m:sSub>
-                      <m:r>
-                        <a:rPr lang="en-US" sz="1200" i="1" dirty="0" smtClean="0">
-                          <a:latin typeface="Cambria Math" panose="02040503050406030204" pitchFamily="18" charset="0"/>
-                        </a:rPr>
-                        <m:t>𝑔</m:t>
-                      </m:r>
-                    </m:oMath>
-                  </m:oMathPara>
-                </a14:m>
-                <a:endParaRPr lang="en-US" sz="1200" i="1" dirty="0"/>
-              </a:p>
-            </p:txBody>
-          </p:sp>
-        </mc:Choice>
-        <mc:Fallback xmlns="">
-          <p:sp>
-            <p:nvSpPr>
-              <p:cNvPr id="24" name="TextBox 23"/>
-              <p:cNvSpPr txBox="1">
-                <a:spLocks noRot="1" noChangeAspect="1" noMove="1" noResize="1" noEditPoints="1" noAdjustHandles="1" noChangeArrowheads="1" noChangeShapeType="1" noTextEdit="1"/>
-              </p:cNvSpPr>
-              <p:nvPr/>
-            </p:nvSpPr>
-            <p:spPr>
-              <a:xfrm>
-                <a:off x="2860959" y="1212343"/>
-                <a:ext cx="471054" cy="276999"/>
-              </a:xfrm>
-              <a:prstGeom prst="rect">
-                <a:avLst/>
-              </a:prstGeom>
-              <a:blipFill>
-                <a:blip r:embed="rId6"/>
-                <a:stretch>
-                  <a:fillRect/>
-                </a:stretch>
-              </a:blipFill>
-            </p:spPr>
-            <p:txBody>
-              <a:bodyPr/>
-              <a:lstStyle/>
-              <a:p>
-                <a:r>
-                  <a:rPr lang="en-US">
-                    <a:noFill/>
-                  </a:rPr>
-                  <a:t> </a:t>
-                </a:r>
-              </a:p>
-            </p:txBody>
-          </p:sp>
-        </mc:Fallback>
-      </mc:AlternateContent>
-    </p:spTree>
-    <p:extLst>
-      <p:ext uri="{BB962C8B-B14F-4D97-AF65-F5344CB8AC3E}">
-        <p14:creationId xmlns:p14="http://schemas.microsoft.com/office/powerpoint/2010/main" val="130750931"/>
       </p:ext>
     </p:extLst>
   </p:cSld>
